--- a/Journal Analytics Process.pptx
+++ b/Journal Analytics Process.pptx
@@ -2964,456 +2964,857 @@
           <a:chExt cx="0" cy="0"/>
         </a:xfrm>
       </p:grpSpPr>
-      <p:sp>
-        <p:nvSpPr>
-          <p:cNvPr id="4" name="Rounded Rectangle 3"/>
-          <p:cNvSpPr/>
+      <p:grpSp>
+        <p:nvGrpSpPr>
+          <p:cNvPr id="78" name="Group 77"/>
+          <p:cNvGrpSpPr/>
           <p:nvPr/>
-        </p:nvSpPr>
-        <p:spPr>
+        </p:nvGrpSpPr>
+        <p:grpSpPr>
           <a:xfrm>
-            <a:off x="502856" y="821945"/>
-            <a:ext cx="1973671" cy="936433"/>
+            <a:off x="1131427" y="597831"/>
+            <a:ext cx="9929146" cy="5662339"/>
+            <a:chOff x="822343" y="594428"/>
+            <a:chExt cx="9929146" cy="5662339"/>
           </a:xfrm>
-          <a:prstGeom prst="roundRect">
-            <a:avLst>
-              <a:gd name="adj" fmla="val 50000"/>
-            </a:avLst>
-          </a:prstGeom>
-          <a:ln>
-            <a:noFill/>
-          </a:ln>
-        </p:spPr>
-        <p:style>
-          <a:lnRef idx="2">
-            <a:schemeClr val="accent1">
-              <a:shade val="50000"/>
-            </a:schemeClr>
-          </a:lnRef>
-          <a:fillRef idx="1">
-            <a:schemeClr val="accent1"/>
-          </a:fillRef>
-          <a:effectRef idx="0">
-            <a:schemeClr val="accent1"/>
-          </a:effectRef>
-          <a:fontRef idx="minor">
-            <a:schemeClr val="lt1"/>
-          </a:fontRef>
-        </p:style>
-        <p:txBody>
-          <a:bodyPr rtlCol="0" anchor="ctr"/>
-          <a:lstStyle/>
-          <a:p>
-            <a:pPr algn="ctr"/>
-            <a:r>
-              <a:rPr lang="en-US" dirty="0" smtClean="0"/>
-              <a:t>User Inputs Journal Entry</a:t>
-            </a:r>
-            <a:endParaRPr lang="en-US" dirty="0"/>
-          </a:p>
-        </p:txBody>
-      </p:sp>
-      <p:sp>
-        <p:nvSpPr>
-          <p:cNvPr id="19" name="Rectangle 18"/>
-          <p:cNvSpPr/>
-          <p:nvPr/>
-        </p:nvSpPr>
-        <p:spPr>
-          <a:xfrm>
-            <a:off x="3402560" y="832963"/>
-            <a:ext cx="1973671" cy="936433"/>
-          </a:xfrm>
-          <a:prstGeom prst="rect">
-            <a:avLst/>
-          </a:prstGeom>
-        </p:spPr>
-        <p:style>
-          <a:lnRef idx="2">
-            <a:schemeClr val="accent1">
-              <a:shade val="50000"/>
-            </a:schemeClr>
-          </a:lnRef>
-          <a:fillRef idx="1">
-            <a:schemeClr val="accent1"/>
-          </a:fillRef>
-          <a:effectRef idx="0">
-            <a:schemeClr val="accent1"/>
-          </a:effectRef>
-          <a:fontRef idx="minor">
-            <a:schemeClr val="lt1"/>
-          </a:fontRef>
-        </p:style>
-        <p:txBody>
-          <a:bodyPr rtlCol="0" anchor="ctr"/>
-          <a:lstStyle/>
-          <a:p>
-            <a:pPr algn="ctr"/>
-            <a:r>
-              <a:rPr lang="en-US" dirty="0" smtClean="0"/>
-              <a:t>Parse to Sentence</a:t>
-            </a:r>
-            <a:endParaRPr lang="en-US" dirty="0"/>
-          </a:p>
-        </p:txBody>
-      </p:sp>
-      <p:sp>
-        <p:nvSpPr>
-          <p:cNvPr id="21" name="Rectangle 20"/>
-          <p:cNvSpPr/>
-          <p:nvPr/>
-        </p:nvSpPr>
-        <p:spPr>
-          <a:xfrm>
-            <a:off x="3402560" y="2586805"/>
-            <a:ext cx="1973671" cy="936433"/>
-          </a:xfrm>
-          <a:prstGeom prst="rect">
-            <a:avLst/>
-          </a:prstGeom>
-        </p:spPr>
-        <p:style>
-          <a:lnRef idx="2">
-            <a:schemeClr val="accent1">
-              <a:shade val="50000"/>
-            </a:schemeClr>
-          </a:lnRef>
-          <a:fillRef idx="1">
-            <a:schemeClr val="accent1"/>
-          </a:fillRef>
-          <a:effectRef idx="0">
-            <a:schemeClr val="accent1"/>
-          </a:effectRef>
-          <a:fontRef idx="minor">
-            <a:schemeClr val="lt1"/>
-          </a:fontRef>
-        </p:style>
-        <p:txBody>
-          <a:bodyPr rtlCol="0" anchor="ctr"/>
-          <a:lstStyle/>
-          <a:p>
-            <a:pPr algn="ctr"/>
-            <a:r>
-              <a:rPr lang="en-US" dirty="0" smtClean="0"/>
-              <a:t>Concept Insights</a:t>
-            </a:r>
-            <a:endParaRPr lang="en-US" dirty="0"/>
-          </a:p>
-        </p:txBody>
-      </p:sp>
-      <p:sp>
-        <p:nvSpPr>
-          <p:cNvPr id="22" name="Rectangle 21"/>
-          <p:cNvSpPr/>
-          <p:nvPr/>
-        </p:nvSpPr>
-        <p:spPr>
-          <a:xfrm>
-            <a:off x="5806505" y="276935"/>
-            <a:ext cx="1973671" cy="936433"/>
-          </a:xfrm>
-          <a:prstGeom prst="rect">
-            <a:avLst/>
-          </a:prstGeom>
-        </p:spPr>
-        <p:style>
-          <a:lnRef idx="2">
-            <a:schemeClr val="accent1">
-              <a:shade val="50000"/>
-            </a:schemeClr>
-          </a:lnRef>
-          <a:fillRef idx="1">
-            <a:schemeClr val="accent1"/>
-          </a:fillRef>
-          <a:effectRef idx="0">
-            <a:schemeClr val="accent1"/>
-          </a:effectRef>
-          <a:fontRef idx="minor">
-            <a:schemeClr val="lt1"/>
-          </a:fontRef>
-        </p:style>
-        <p:txBody>
-          <a:bodyPr rtlCol="0" anchor="ctr"/>
-          <a:lstStyle/>
-          <a:p>
-            <a:pPr algn="ctr"/>
-            <a:r>
-              <a:rPr lang="en-US" dirty="0" smtClean="0"/>
-              <a:t>Natural Language Classifier</a:t>
-            </a:r>
-            <a:endParaRPr lang="en-US" dirty="0"/>
-          </a:p>
-        </p:txBody>
-      </p:sp>
-      <p:sp>
-        <p:nvSpPr>
-          <p:cNvPr id="23" name="Rectangle 22"/>
-          <p:cNvSpPr/>
-          <p:nvPr/>
-        </p:nvSpPr>
-        <p:spPr>
-          <a:xfrm>
-            <a:off x="5806504" y="1431870"/>
-            <a:ext cx="1973671" cy="936433"/>
-          </a:xfrm>
-          <a:prstGeom prst="rect">
-            <a:avLst/>
-          </a:prstGeom>
-        </p:spPr>
-        <p:style>
-          <a:lnRef idx="2">
-            <a:schemeClr val="accent1">
-              <a:shade val="50000"/>
-            </a:schemeClr>
-          </a:lnRef>
-          <a:fillRef idx="1">
-            <a:schemeClr val="accent1"/>
-          </a:fillRef>
-          <a:effectRef idx="0">
-            <a:schemeClr val="accent1"/>
-          </a:effectRef>
-          <a:fontRef idx="minor">
-            <a:schemeClr val="lt1"/>
-          </a:fontRef>
-        </p:style>
-        <p:txBody>
-          <a:bodyPr rtlCol="0" anchor="ctr"/>
-          <a:lstStyle/>
-          <a:p>
-            <a:pPr algn="ctr"/>
-            <a:r>
-              <a:rPr lang="en-US" dirty="0" smtClean="0"/>
-              <a:t>Alchemy Language</a:t>
-            </a:r>
-            <a:endParaRPr lang="en-US" dirty="0"/>
-          </a:p>
-        </p:txBody>
-      </p:sp>
-      <p:sp>
-        <p:nvSpPr>
-          <p:cNvPr id="24" name="Rectangle 23"/>
-          <p:cNvSpPr/>
-          <p:nvPr/>
-        </p:nvSpPr>
-        <p:spPr>
-          <a:xfrm>
-            <a:off x="8210448" y="832962"/>
-            <a:ext cx="1973671" cy="936433"/>
-          </a:xfrm>
-          <a:prstGeom prst="rect">
-            <a:avLst/>
-          </a:prstGeom>
-        </p:spPr>
-        <p:style>
-          <a:lnRef idx="2">
-            <a:schemeClr val="accent1">
-              <a:shade val="50000"/>
-            </a:schemeClr>
-          </a:lnRef>
-          <a:fillRef idx="1">
-            <a:schemeClr val="accent1"/>
-          </a:fillRef>
-          <a:effectRef idx="0">
-            <a:schemeClr val="accent1"/>
-          </a:effectRef>
-          <a:fontRef idx="minor">
-            <a:schemeClr val="lt1"/>
-          </a:fontRef>
-        </p:style>
-        <p:txBody>
-          <a:bodyPr rtlCol="0" anchor="ctr"/>
-          <a:lstStyle/>
-          <a:p>
-            <a:pPr algn="ctr"/>
-            <a:r>
-              <a:rPr lang="en-US" dirty="0" smtClean="0"/>
-              <a:t>Pair</a:t>
-            </a:r>
-            <a:endParaRPr lang="en-US" dirty="0"/>
-          </a:p>
-        </p:txBody>
-      </p:sp>
-      <p:sp>
-        <p:nvSpPr>
-          <p:cNvPr id="25" name="Rectangle 24"/>
-          <p:cNvSpPr/>
-          <p:nvPr/>
-        </p:nvSpPr>
-        <p:spPr>
-          <a:xfrm>
-            <a:off x="8210448" y="2586804"/>
-            <a:ext cx="1973671" cy="936433"/>
-          </a:xfrm>
-          <a:prstGeom prst="rect">
-            <a:avLst/>
-          </a:prstGeom>
-        </p:spPr>
-        <p:style>
-          <a:lnRef idx="2">
-            <a:schemeClr val="accent1">
-              <a:shade val="50000"/>
-            </a:schemeClr>
-          </a:lnRef>
-          <a:fillRef idx="1">
-            <a:schemeClr val="accent1"/>
-          </a:fillRef>
-          <a:effectRef idx="0">
-            <a:schemeClr val="accent1"/>
-          </a:effectRef>
-          <a:fontRef idx="minor">
-            <a:schemeClr val="lt1"/>
-          </a:fontRef>
-        </p:style>
-        <p:txBody>
-          <a:bodyPr rtlCol="0" anchor="ctr"/>
-          <a:lstStyle/>
-          <a:p>
-            <a:pPr algn="ctr"/>
-            <a:r>
-              <a:rPr lang="en-US" dirty="0" smtClean="0"/>
-              <a:t>Pair</a:t>
-            </a:r>
-            <a:endParaRPr lang="en-US" dirty="0"/>
-          </a:p>
-        </p:txBody>
-      </p:sp>
-      <p:sp>
-        <p:nvSpPr>
-          <p:cNvPr id="26" name="Rectangle 25"/>
-          <p:cNvSpPr/>
-          <p:nvPr/>
-        </p:nvSpPr>
-        <p:spPr>
-          <a:xfrm>
-            <a:off x="8210447" y="4340646"/>
-            <a:ext cx="1973671" cy="936433"/>
-          </a:xfrm>
-          <a:prstGeom prst="rect">
-            <a:avLst/>
-          </a:prstGeom>
-        </p:spPr>
-        <p:style>
-          <a:lnRef idx="2">
-            <a:schemeClr val="accent1">
-              <a:shade val="50000"/>
-            </a:schemeClr>
-          </a:lnRef>
-          <a:fillRef idx="1">
-            <a:schemeClr val="accent1"/>
-          </a:fillRef>
-          <a:effectRef idx="0">
-            <a:schemeClr val="accent1"/>
-          </a:effectRef>
-          <a:fontRef idx="minor">
-            <a:schemeClr val="lt1"/>
-          </a:fontRef>
-        </p:style>
-        <p:txBody>
-          <a:bodyPr rtlCol="0" anchor="ctr"/>
-          <a:lstStyle/>
-          <a:p>
-            <a:pPr algn="ctr"/>
-            <a:r>
-              <a:rPr lang="en-US" smtClean="0"/>
-              <a:t>Retrieve and Rank</a:t>
-            </a:r>
-            <a:endParaRPr lang="en-US" dirty="0"/>
-          </a:p>
-        </p:txBody>
-      </p:sp>
-      <p:sp>
-        <p:nvSpPr>
-          <p:cNvPr id="29" name="Rectangle 28"/>
-          <p:cNvSpPr/>
-          <p:nvPr/>
-        </p:nvSpPr>
-        <p:spPr>
-          <a:xfrm>
-            <a:off x="502855" y="2575786"/>
-            <a:ext cx="1973671" cy="936433"/>
-          </a:xfrm>
-          <a:prstGeom prst="rect">
-            <a:avLst/>
-          </a:prstGeom>
-        </p:spPr>
-        <p:style>
-          <a:lnRef idx="2">
-            <a:schemeClr val="accent1">
-              <a:shade val="50000"/>
-            </a:schemeClr>
-          </a:lnRef>
-          <a:fillRef idx="1">
-            <a:schemeClr val="accent1"/>
-          </a:fillRef>
-          <a:effectRef idx="0">
-            <a:schemeClr val="accent1"/>
-          </a:effectRef>
-          <a:fontRef idx="minor">
-            <a:schemeClr val="lt1"/>
-          </a:fontRef>
-        </p:style>
-        <p:txBody>
-          <a:bodyPr rtlCol="0" anchor="ctr"/>
-          <a:lstStyle/>
-          <a:p>
-            <a:pPr algn="ctr"/>
-            <a:r>
-              <a:rPr lang="en-US" dirty="0" smtClean="0"/>
-              <a:t>Dialog/Speech to text</a:t>
-            </a:r>
-            <a:endParaRPr lang="en-US" dirty="0"/>
-          </a:p>
-        </p:txBody>
-      </p:sp>
-      <p:sp>
-        <p:nvSpPr>
-          <p:cNvPr id="30" name="Rounded Rectangle 29"/>
-          <p:cNvSpPr/>
-          <p:nvPr/>
-        </p:nvSpPr>
-        <p:spPr>
-          <a:xfrm>
-            <a:off x="5806504" y="4340646"/>
-            <a:ext cx="1973671" cy="936433"/>
-          </a:xfrm>
-          <a:prstGeom prst="roundRect">
-            <a:avLst>
-              <a:gd name="adj" fmla="val 50000"/>
-            </a:avLst>
-          </a:prstGeom>
-          <a:ln>
-            <a:noFill/>
-          </a:ln>
-        </p:spPr>
-        <p:style>
-          <a:lnRef idx="2">
-            <a:schemeClr val="accent1">
-              <a:shade val="50000"/>
-            </a:schemeClr>
-          </a:lnRef>
-          <a:fillRef idx="1">
-            <a:schemeClr val="accent1"/>
-          </a:fillRef>
-          <a:effectRef idx="0">
-            <a:schemeClr val="accent1"/>
-          </a:effectRef>
-          <a:fontRef idx="minor">
-            <a:schemeClr val="lt1"/>
-          </a:fontRef>
-        </p:style>
-        <p:txBody>
-          <a:bodyPr rtlCol="0" anchor="ctr"/>
-          <a:lstStyle/>
-          <a:p>
-            <a:pPr algn="ctr"/>
-            <a:r>
-              <a:rPr lang="en-US" smtClean="0"/>
-              <a:t>Output Analysis</a:t>
-            </a:r>
-            <a:endParaRPr lang="en-US" dirty="0"/>
-          </a:p>
-        </p:txBody>
-      </p:sp>
+        </p:grpSpPr>
+        <p:sp>
+          <p:nvSpPr>
+            <p:cNvPr id="4" name="Rounded Rectangle 3"/>
+            <p:cNvSpPr/>
+            <p:nvPr/>
+          </p:nvSpPr>
+          <p:spPr>
+            <a:xfrm>
+              <a:off x="822344" y="2287188"/>
+              <a:ext cx="1973671" cy="936433"/>
+            </a:xfrm>
+            <a:prstGeom prst="roundRect">
+              <a:avLst>
+                <a:gd name="adj" fmla="val 50000"/>
+              </a:avLst>
+            </a:prstGeom>
+            <a:ln>
+              <a:noFill/>
+            </a:ln>
+          </p:spPr>
+          <p:style>
+            <a:lnRef idx="2">
+              <a:schemeClr val="accent1">
+                <a:shade val="50000"/>
+              </a:schemeClr>
+            </a:lnRef>
+            <a:fillRef idx="1">
+              <a:schemeClr val="accent1"/>
+            </a:fillRef>
+            <a:effectRef idx="0">
+              <a:schemeClr val="accent1"/>
+            </a:effectRef>
+            <a:fontRef idx="minor">
+              <a:schemeClr val="lt1"/>
+            </a:fontRef>
+          </p:style>
+          <p:txBody>
+            <a:bodyPr rtlCol="0" anchor="ctr"/>
+            <a:lstStyle/>
+            <a:p>
+              <a:pPr algn="ctr"/>
+              <a:r>
+                <a:rPr lang="en-US" dirty="0" smtClean="0"/>
+                <a:t>User Inputs Journal Entry</a:t>
+              </a:r>
+              <a:endParaRPr lang="en-US" dirty="0"/>
+            </a:p>
+          </p:txBody>
+        </p:sp>
+        <p:sp>
+          <p:nvSpPr>
+            <p:cNvPr id="19" name="Rectangle 18"/>
+            <p:cNvSpPr/>
+            <p:nvPr/>
+          </p:nvSpPr>
+          <p:spPr>
+            <a:xfrm>
+              <a:off x="3474168" y="1350755"/>
+              <a:ext cx="1973671" cy="936433"/>
+            </a:xfrm>
+            <a:prstGeom prst="rect">
+              <a:avLst/>
+            </a:prstGeom>
+          </p:spPr>
+          <p:style>
+            <a:lnRef idx="2">
+              <a:schemeClr val="accent1">
+                <a:shade val="50000"/>
+              </a:schemeClr>
+            </a:lnRef>
+            <a:fillRef idx="1">
+              <a:schemeClr val="accent1"/>
+            </a:fillRef>
+            <a:effectRef idx="0">
+              <a:schemeClr val="accent1"/>
+            </a:effectRef>
+            <a:fontRef idx="minor">
+              <a:schemeClr val="lt1"/>
+            </a:fontRef>
+          </p:style>
+          <p:txBody>
+            <a:bodyPr rtlCol="0" anchor="ctr"/>
+            <a:lstStyle/>
+            <a:p>
+              <a:pPr algn="ctr"/>
+              <a:r>
+                <a:rPr lang="en-US" dirty="0" smtClean="0"/>
+                <a:t>Parse to Sentence</a:t>
+              </a:r>
+              <a:endParaRPr lang="en-US" dirty="0"/>
+            </a:p>
+          </p:txBody>
+        </p:sp>
+        <p:sp>
+          <p:nvSpPr>
+            <p:cNvPr id="21" name="Rectangle 20"/>
+            <p:cNvSpPr/>
+            <p:nvPr/>
+          </p:nvSpPr>
+          <p:spPr>
+            <a:xfrm>
+              <a:off x="3474167" y="4655815"/>
+              <a:ext cx="1973671" cy="936433"/>
+            </a:xfrm>
+            <a:prstGeom prst="rect">
+              <a:avLst/>
+            </a:prstGeom>
+          </p:spPr>
+          <p:style>
+            <a:lnRef idx="2">
+              <a:schemeClr val="accent1">
+                <a:shade val="50000"/>
+              </a:schemeClr>
+            </a:lnRef>
+            <a:fillRef idx="1">
+              <a:schemeClr val="accent1"/>
+            </a:fillRef>
+            <a:effectRef idx="0">
+              <a:schemeClr val="accent1"/>
+            </a:effectRef>
+            <a:fontRef idx="minor">
+              <a:schemeClr val="lt1"/>
+            </a:fontRef>
+          </p:style>
+          <p:txBody>
+            <a:bodyPr rtlCol="0" anchor="ctr"/>
+            <a:lstStyle/>
+            <a:p>
+              <a:pPr algn="ctr"/>
+              <a:r>
+                <a:rPr lang="en-US" dirty="0" smtClean="0"/>
+                <a:t>Concept Insights</a:t>
+              </a:r>
+              <a:endParaRPr lang="en-US" dirty="0"/>
+            </a:p>
+          </p:txBody>
+        </p:sp>
+        <p:sp>
+          <p:nvSpPr>
+            <p:cNvPr id="22" name="Rectangle 21"/>
+            <p:cNvSpPr/>
+            <p:nvPr/>
+          </p:nvSpPr>
+          <p:spPr>
+            <a:xfrm>
+              <a:off x="6125993" y="2015765"/>
+              <a:ext cx="1973671" cy="936433"/>
+            </a:xfrm>
+            <a:prstGeom prst="rect">
+              <a:avLst/>
+            </a:prstGeom>
+          </p:spPr>
+          <p:style>
+            <a:lnRef idx="2">
+              <a:schemeClr val="accent1">
+                <a:shade val="50000"/>
+              </a:schemeClr>
+            </a:lnRef>
+            <a:fillRef idx="1">
+              <a:schemeClr val="accent1"/>
+            </a:fillRef>
+            <a:effectRef idx="0">
+              <a:schemeClr val="accent1"/>
+            </a:effectRef>
+            <a:fontRef idx="minor">
+              <a:schemeClr val="lt1"/>
+            </a:fontRef>
+          </p:style>
+          <p:txBody>
+            <a:bodyPr rtlCol="0" anchor="ctr"/>
+            <a:lstStyle/>
+            <a:p>
+              <a:pPr algn="ctr"/>
+              <a:r>
+                <a:rPr lang="en-US" dirty="0" smtClean="0"/>
+                <a:t>Natural Language Classifier</a:t>
+              </a:r>
+              <a:endParaRPr lang="en-US" dirty="0"/>
+            </a:p>
+          </p:txBody>
+        </p:sp>
+        <p:sp>
+          <p:nvSpPr>
+            <p:cNvPr id="23" name="Rectangle 22"/>
+            <p:cNvSpPr/>
+            <p:nvPr/>
+          </p:nvSpPr>
+          <p:spPr>
+            <a:xfrm>
+              <a:off x="6125993" y="594428"/>
+              <a:ext cx="1973671" cy="936433"/>
+            </a:xfrm>
+            <a:prstGeom prst="rect">
+              <a:avLst/>
+            </a:prstGeom>
+          </p:spPr>
+          <p:style>
+            <a:lnRef idx="2">
+              <a:schemeClr val="accent1">
+                <a:shade val="50000"/>
+              </a:schemeClr>
+            </a:lnRef>
+            <a:fillRef idx="1">
+              <a:schemeClr val="accent1"/>
+            </a:fillRef>
+            <a:effectRef idx="0">
+              <a:schemeClr val="accent1"/>
+            </a:effectRef>
+            <a:fontRef idx="minor">
+              <a:schemeClr val="lt1"/>
+            </a:fontRef>
+          </p:style>
+          <p:txBody>
+            <a:bodyPr rtlCol="0" anchor="ctr"/>
+            <a:lstStyle/>
+            <a:p>
+              <a:pPr algn="ctr"/>
+              <a:r>
+                <a:rPr lang="en-US" dirty="0" smtClean="0"/>
+                <a:t>Alchemy Language</a:t>
+              </a:r>
+              <a:endParaRPr lang="en-US" dirty="0"/>
+            </a:p>
+          </p:txBody>
+        </p:sp>
+        <p:sp>
+          <p:nvSpPr>
+            <p:cNvPr id="24" name="Rectangle 23"/>
+            <p:cNvSpPr/>
+            <p:nvPr/>
+          </p:nvSpPr>
+          <p:spPr>
+            <a:xfrm>
+              <a:off x="8777818" y="1215044"/>
+              <a:ext cx="1973671" cy="936433"/>
+            </a:xfrm>
+            <a:prstGeom prst="rect">
+              <a:avLst/>
+            </a:prstGeom>
+          </p:spPr>
+          <p:style>
+            <a:lnRef idx="2">
+              <a:schemeClr val="accent1">
+                <a:shade val="50000"/>
+              </a:schemeClr>
+            </a:lnRef>
+            <a:fillRef idx="1">
+              <a:schemeClr val="accent1"/>
+            </a:fillRef>
+            <a:effectRef idx="0">
+              <a:schemeClr val="accent1"/>
+            </a:effectRef>
+            <a:fontRef idx="minor">
+              <a:schemeClr val="lt1"/>
+            </a:fontRef>
+          </p:style>
+          <p:txBody>
+            <a:bodyPr rtlCol="0" anchor="ctr"/>
+            <a:lstStyle/>
+            <a:p>
+              <a:pPr algn="ctr"/>
+              <a:r>
+                <a:rPr lang="en-US" dirty="0" smtClean="0"/>
+                <a:t>Pair</a:t>
+              </a:r>
+              <a:endParaRPr lang="en-US" dirty="0"/>
+            </a:p>
+          </p:txBody>
+        </p:sp>
+        <p:sp>
+          <p:nvSpPr>
+            <p:cNvPr id="26" name="Rectangle 25"/>
+            <p:cNvSpPr/>
+            <p:nvPr/>
+          </p:nvSpPr>
+          <p:spPr>
+            <a:xfrm>
+              <a:off x="8777817" y="3267689"/>
+              <a:ext cx="1973671" cy="936433"/>
+            </a:xfrm>
+            <a:prstGeom prst="rect">
+              <a:avLst/>
+            </a:prstGeom>
+            <a:ln>
+              <a:noFill/>
+            </a:ln>
+          </p:spPr>
+          <p:style>
+            <a:lnRef idx="2">
+              <a:schemeClr val="accent1">
+                <a:shade val="50000"/>
+              </a:schemeClr>
+            </a:lnRef>
+            <a:fillRef idx="1">
+              <a:schemeClr val="accent1"/>
+            </a:fillRef>
+            <a:effectRef idx="0">
+              <a:schemeClr val="accent1"/>
+            </a:effectRef>
+            <a:fontRef idx="minor">
+              <a:schemeClr val="lt1"/>
+            </a:fontRef>
+          </p:style>
+          <p:txBody>
+            <a:bodyPr rtlCol="0" anchor="ctr"/>
+            <a:lstStyle/>
+            <a:p>
+              <a:pPr algn="ctr"/>
+              <a:r>
+                <a:rPr lang="en-US" dirty="0" smtClean="0"/>
+                <a:t>Retrieve and Rank</a:t>
+              </a:r>
+              <a:endParaRPr lang="en-US" dirty="0"/>
+            </a:p>
+          </p:txBody>
+        </p:sp>
+        <p:sp>
+          <p:nvSpPr>
+            <p:cNvPr id="29" name="Rectangle 28"/>
+            <p:cNvSpPr/>
+            <p:nvPr/>
+          </p:nvSpPr>
+          <p:spPr>
+            <a:xfrm>
+              <a:off x="822343" y="648430"/>
+              <a:ext cx="1973671" cy="936433"/>
+            </a:xfrm>
+            <a:prstGeom prst="rect">
+              <a:avLst/>
+            </a:prstGeom>
+            <a:solidFill>
+              <a:schemeClr val="accent2"/>
+            </a:solidFill>
+            <a:ln>
+              <a:noFill/>
+            </a:ln>
+          </p:spPr>
+          <p:style>
+            <a:lnRef idx="2">
+              <a:schemeClr val="accent1">
+                <a:shade val="50000"/>
+              </a:schemeClr>
+            </a:lnRef>
+            <a:fillRef idx="1">
+              <a:schemeClr val="accent1"/>
+            </a:fillRef>
+            <a:effectRef idx="0">
+              <a:schemeClr val="accent1"/>
+            </a:effectRef>
+            <a:fontRef idx="minor">
+              <a:schemeClr val="lt1"/>
+            </a:fontRef>
+          </p:style>
+          <p:txBody>
+            <a:bodyPr rtlCol="0" anchor="ctr"/>
+            <a:lstStyle/>
+            <a:p>
+              <a:pPr algn="ctr"/>
+              <a:r>
+                <a:rPr lang="en-US" dirty="0" smtClean="0"/>
+                <a:t>Dialog/Speech to text</a:t>
+              </a:r>
+              <a:endParaRPr lang="en-US" dirty="0"/>
+            </a:p>
+          </p:txBody>
+        </p:sp>
+        <p:sp>
+          <p:nvSpPr>
+            <p:cNvPr id="30" name="Rounded Rectangle 29"/>
+            <p:cNvSpPr/>
+            <p:nvPr/>
+          </p:nvSpPr>
+          <p:spPr>
+            <a:xfrm>
+              <a:off x="8777817" y="5320334"/>
+              <a:ext cx="1973671" cy="936433"/>
+            </a:xfrm>
+            <a:prstGeom prst="roundRect">
+              <a:avLst>
+                <a:gd name="adj" fmla="val 50000"/>
+              </a:avLst>
+            </a:prstGeom>
+            <a:ln>
+              <a:noFill/>
+            </a:ln>
+          </p:spPr>
+          <p:style>
+            <a:lnRef idx="2">
+              <a:schemeClr val="accent1">
+                <a:shade val="50000"/>
+              </a:schemeClr>
+            </a:lnRef>
+            <a:fillRef idx="1">
+              <a:schemeClr val="accent1"/>
+            </a:fillRef>
+            <a:effectRef idx="0">
+              <a:schemeClr val="accent1"/>
+            </a:effectRef>
+            <a:fontRef idx="minor">
+              <a:schemeClr val="lt1"/>
+            </a:fontRef>
+          </p:style>
+          <p:txBody>
+            <a:bodyPr rtlCol="0" anchor="ctr"/>
+            <a:lstStyle/>
+            <a:p>
+              <a:pPr algn="ctr"/>
+              <a:r>
+                <a:rPr lang="en-US" dirty="0" smtClean="0"/>
+                <a:t>Output Analysis</a:t>
+              </a:r>
+              <a:endParaRPr lang="en-US" dirty="0"/>
+            </a:p>
+          </p:txBody>
+        </p:sp>
+        <p:cxnSp>
+          <p:nvCxnSpPr>
+            <p:cNvPr id="32" name="Elbow Connector 31"/>
+            <p:cNvCxnSpPr>
+              <a:stCxn id="4" idx="3"/>
+              <a:endCxn id="19" idx="1"/>
+            </p:cNvCxnSpPr>
+            <p:nvPr/>
+          </p:nvCxnSpPr>
+          <p:spPr>
+            <a:xfrm flipV="1">
+              <a:off x="2796015" y="1818972"/>
+              <a:ext cx="678153" cy="936433"/>
+            </a:xfrm>
+            <a:prstGeom prst="bentConnector3">
+              <a:avLst/>
+            </a:prstGeom>
+            <a:ln>
+              <a:tailEnd type="triangle"/>
+            </a:ln>
+          </p:spPr>
+          <p:style>
+            <a:lnRef idx="1">
+              <a:schemeClr val="accent1"/>
+            </a:lnRef>
+            <a:fillRef idx="0">
+              <a:schemeClr val="accent1"/>
+            </a:fillRef>
+            <a:effectRef idx="0">
+              <a:schemeClr val="accent1"/>
+            </a:effectRef>
+            <a:fontRef idx="minor">
+              <a:schemeClr val="tx1"/>
+            </a:fontRef>
+          </p:style>
+        </p:cxnSp>
+        <p:cxnSp>
+          <p:nvCxnSpPr>
+            <p:cNvPr id="33" name="Elbow Connector 32"/>
+            <p:cNvCxnSpPr>
+              <a:stCxn id="4" idx="3"/>
+              <a:endCxn id="21" idx="1"/>
+            </p:cNvCxnSpPr>
+            <p:nvPr/>
+          </p:nvCxnSpPr>
+          <p:spPr>
+            <a:xfrm>
+              <a:off x="2796015" y="2755405"/>
+              <a:ext cx="678152" cy="2368627"/>
+            </a:xfrm>
+            <a:prstGeom prst="bentConnector3">
+              <a:avLst/>
+            </a:prstGeom>
+            <a:ln>
+              <a:tailEnd type="triangle"/>
+            </a:ln>
+          </p:spPr>
+          <p:style>
+            <a:lnRef idx="1">
+              <a:schemeClr val="accent1"/>
+            </a:lnRef>
+            <a:fillRef idx="0">
+              <a:schemeClr val="accent1"/>
+            </a:fillRef>
+            <a:effectRef idx="0">
+              <a:schemeClr val="accent1"/>
+            </a:effectRef>
+            <a:fontRef idx="minor">
+              <a:schemeClr val="tx1"/>
+            </a:fontRef>
+          </p:style>
+        </p:cxnSp>
+        <p:cxnSp>
+          <p:nvCxnSpPr>
+            <p:cNvPr id="36" name="Elbow Connector 35"/>
+            <p:cNvCxnSpPr>
+              <a:stCxn id="21" idx="3"/>
+              <a:endCxn id="22" idx="1"/>
+            </p:cNvCxnSpPr>
+            <p:nvPr/>
+          </p:nvCxnSpPr>
+          <p:spPr>
+            <a:xfrm flipV="1">
+              <a:off x="5447838" y="2483982"/>
+              <a:ext cx="678155" cy="2640050"/>
+            </a:xfrm>
+            <a:prstGeom prst="bentConnector3">
+              <a:avLst>
+                <a:gd name="adj1" fmla="val 27256"/>
+              </a:avLst>
+            </a:prstGeom>
+            <a:ln>
+              <a:tailEnd type="triangle"/>
+            </a:ln>
+          </p:spPr>
+          <p:style>
+            <a:lnRef idx="1">
+              <a:schemeClr val="accent1"/>
+            </a:lnRef>
+            <a:fillRef idx="0">
+              <a:schemeClr val="accent1"/>
+            </a:fillRef>
+            <a:effectRef idx="0">
+              <a:schemeClr val="accent1"/>
+            </a:effectRef>
+            <a:fontRef idx="minor">
+              <a:schemeClr val="tx1"/>
+            </a:fontRef>
+          </p:style>
+        </p:cxnSp>
+        <p:cxnSp>
+          <p:nvCxnSpPr>
+            <p:cNvPr id="40" name="Elbow Connector 39"/>
+            <p:cNvCxnSpPr>
+              <a:stCxn id="19" idx="3"/>
+              <a:endCxn id="23" idx="1"/>
+            </p:cNvCxnSpPr>
+            <p:nvPr/>
+          </p:nvCxnSpPr>
+          <p:spPr>
+            <a:xfrm flipV="1">
+              <a:off x="5447839" y="1062645"/>
+              <a:ext cx="678154" cy="756327"/>
+            </a:xfrm>
+            <a:prstGeom prst="bentConnector3">
+              <a:avLst>
+                <a:gd name="adj1" fmla="val 50000"/>
+              </a:avLst>
+            </a:prstGeom>
+            <a:ln>
+              <a:tailEnd type="triangle"/>
+            </a:ln>
+          </p:spPr>
+          <p:style>
+            <a:lnRef idx="1">
+              <a:schemeClr val="accent1"/>
+            </a:lnRef>
+            <a:fillRef idx="0">
+              <a:schemeClr val="accent1"/>
+            </a:fillRef>
+            <a:effectRef idx="0">
+              <a:schemeClr val="accent1"/>
+            </a:effectRef>
+            <a:fontRef idx="minor">
+              <a:schemeClr val="tx1"/>
+            </a:fontRef>
+          </p:style>
+        </p:cxnSp>
+        <p:cxnSp>
+          <p:nvCxnSpPr>
+            <p:cNvPr id="43" name="Elbow Connector 42"/>
+            <p:cNvCxnSpPr>
+              <a:stCxn id="19" idx="3"/>
+              <a:endCxn id="22" idx="1"/>
+            </p:cNvCxnSpPr>
+            <p:nvPr/>
+          </p:nvCxnSpPr>
+          <p:spPr>
+            <a:xfrm>
+              <a:off x="5447839" y="1818972"/>
+              <a:ext cx="678154" cy="665010"/>
+            </a:xfrm>
+            <a:prstGeom prst="bentConnector3">
+              <a:avLst>
+                <a:gd name="adj1" fmla="val 50000"/>
+              </a:avLst>
+            </a:prstGeom>
+            <a:ln>
+              <a:tailEnd type="triangle"/>
+            </a:ln>
+          </p:spPr>
+          <p:style>
+            <a:lnRef idx="1">
+              <a:schemeClr val="accent1"/>
+            </a:lnRef>
+            <a:fillRef idx="0">
+              <a:schemeClr val="accent1"/>
+            </a:fillRef>
+            <a:effectRef idx="0">
+              <a:schemeClr val="accent1"/>
+            </a:effectRef>
+            <a:fontRef idx="minor">
+              <a:schemeClr val="tx1"/>
+            </a:fontRef>
+          </p:style>
+        </p:cxnSp>
+        <p:cxnSp>
+          <p:nvCxnSpPr>
+            <p:cNvPr id="48" name="Elbow Connector 47"/>
+            <p:cNvCxnSpPr>
+              <a:stCxn id="23" idx="3"/>
+              <a:endCxn id="24" idx="1"/>
+            </p:cNvCxnSpPr>
+            <p:nvPr/>
+          </p:nvCxnSpPr>
+          <p:spPr>
+            <a:xfrm>
+              <a:off x="8099664" y="1062645"/>
+              <a:ext cx="678154" cy="620616"/>
+            </a:xfrm>
+            <a:prstGeom prst="bentConnector3">
+              <a:avLst>
+                <a:gd name="adj1" fmla="val 50000"/>
+              </a:avLst>
+            </a:prstGeom>
+            <a:ln>
+              <a:tailEnd type="triangle"/>
+            </a:ln>
+          </p:spPr>
+          <p:style>
+            <a:lnRef idx="1">
+              <a:schemeClr val="accent1"/>
+            </a:lnRef>
+            <a:fillRef idx="0">
+              <a:schemeClr val="accent1"/>
+            </a:fillRef>
+            <a:effectRef idx="0">
+              <a:schemeClr val="accent1"/>
+            </a:effectRef>
+            <a:fontRef idx="minor">
+              <a:schemeClr val="tx1"/>
+            </a:fontRef>
+          </p:style>
+        </p:cxnSp>
+        <p:cxnSp>
+          <p:nvCxnSpPr>
+            <p:cNvPr id="51" name="Elbow Connector 50"/>
+            <p:cNvCxnSpPr>
+              <a:stCxn id="22" idx="3"/>
+              <a:endCxn id="24" idx="1"/>
+            </p:cNvCxnSpPr>
+            <p:nvPr/>
+          </p:nvCxnSpPr>
+          <p:spPr>
+            <a:xfrm flipV="1">
+              <a:off x="8099664" y="1683261"/>
+              <a:ext cx="678154" cy="800721"/>
+            </a:xfrm>
+            <a:prstGeom prst="bentConnector3">
+              <a:avLst>
+                <a:gd name="adj1" fmla="val 50000"/>
+              </a:avLst>
+            </a:prstGeom>
+            <a:ln>
+              <a:tailEnd type="triangle"/>
+            </a:ln>
+          </p:spPr>
+          <p:style>
+            <a:lnRef idx="1">
+              <a:schemeClr val="accent1"/>
+            </a:lnRef>
+            <a:fillRef idx="0">
+              <a:schemeClr val="accent1"/>
+            </a:fillRef>
+            <a:effectRef idx="0">
+              <a:schemeClr val="accent1"/>
+            </a:effectRef>
+            <a:fontRef idx="minor">
+              <a:schemeClr val="tx1"/>
+            </a:fontRef>
+          </p:style>
+        </p:cxnSp>
+        <p:cxnSp>
+          <p:nvCxnSpPr>
+            <p:cNvPr id="54" name="Elbow Connector 53"/>
+            <p:cNvCxnSpPr>
+              <a:stCxn id="24" idx="2"/>
+              <a:endCxn id="26" idx="0"/>
+            </p:cNvCxnSpPr>
+            <p:nvPr/>
+          </p:nvCxnSpPr>
+          <p:spPr>
+            <a:xfrm rot="5400000">
+              <a:off x="9206548" y="2709583"/>
+              <a:ext cx="1116212" cy="1"/>
+            </a:xfrm>
+            <a:prstGeom prst="bentConnector3">
+              <a:avLst>
+                <a:gd name="adj1" fmla="val 50000"/>
+              </a:avLst>
+            </a:prstGeom>
+            <a:ln>
+              <a:tailEnd type="triangle"/>
+            </a:ln>
+          </p:spPr>
+          <p:style>
+            <a:lnRef idx="1">
+              <a:schemeClr val="accent1"/>
+            </a:lnRef>
+            <a:fillRef idx="0">
+              <a:schemeClr val="accent1"/>
+            </a:fillRef>
+            <a:effectRef idx="0">
+              <a:schemeClr val="accent1"/>
+            </a:effectRef>
+            <a:fontRef idx="minor">
+              <a:schemeClr val="tx1"/>
+            </a:fontRef>
+          </p:style>
+        </p:cxnSp>
+        <p:cxnSp>
+          <p:nvCxnSpPr>
+            <p:cNvPr id="66" name="Straight Arrow Connector 65"/>
+            <p:cNvCxnSpPr>
+              <a:stCxn id="26" idx="2"/>
+              <a:endCxn id="30" idx="0"/>
+            </p:cNvCxnSpPr>
+            <p:nvPr/>
+          </p:nvCxnSpPr>
+          <p:spPr>
+            <a:xfrm>
+              <a:off x="9764653" y="4204122"/>
+              <a:ext cx="0" cy="1116212"/>
+            </a:xfrm>
+            <a:prstGeom prst="straightConnector1">
+              <a:avLst/>
+            </a:prstGeom>
+            <a:ln>
+              <a:tailEnd type="triangle"/>
+            </a:ln>
+          </p:spPr>
+          <p:style>
+            <a:lnRef idx="1">
+              <a:schemeClr val="accent1"/>
+            </a:lnRef>
+            <a:fillRef idx="0">
+              <a:schemeClr val="accent1"/>
+            </a:fillRef>
+            <a:effectRef idx="0">
+              <a:schemeClr val="accent1"/>
+            </a:effectRef>
+            <a:fontRef idx="minor">
+              <a:schemeClr val="tx1"/>
+            </a:fontRef>
+          </p:style>
+        </p:cxnSp>
+        <p:sp>
+          <p:nvSpPr>
+            <p:cNvPr id="69" name="Parallelogram 68"/>
+            <p:cNvSpPr/>
+            <p:nvPr/>
+          </p:nvSpPr>
+          <p:spPr>
+            <a:xfrm>
+              <a:off x="4944125" y="3415825"/>
+              <a:ext cx="1333041" cy="667707"/>
+            </a:xfrm>
+            <a:prstGeom prst="parallelogram">
+              <a:avLst/>
+            </a:prstGeom>
+            <a:ln>
+              <a:noFill/>
+            </a:ln>
+          </p:spPr>
+          <p:style>
+            <a:lnRef idx="2">
+              <a:schemeClr val="accent1">
+                <a:shade val="50000"/>
+              </a:schemeClr>
+            </a:lnRef>
+            <a:fillRef idx="1">
+              <a:schemeClr val="accent1"/>
+            </a:fillRef>
+            <a:effectRef idx="0">
+              <a:schemeClr val="accent1"/>
+            </a:effectRef>
+            <a:fontRef idx="minor">
+              <a:schemeClr val="lt1"/>
+            </a:fontRef>
+          </p:style>
+          <p:txBody>
+            <a:bodyPr rtlCol="0" anchor="ctr"/>
+            <a:lstStyle/>
+            <a:p>
+              <a:pPr algn="ctr"/>
+              <a:r>
+                <a:rPr lang="en-US" smtClean="0"/>
+                <a:t>Goals</a:t>
+              </a:r>
+              <a:endParaRPr lang="en-US"/>
+            </a:p>
+          </p:txBody>
+        </p:sp>
+        <p:cxnSp>
+          <p:nvCxnSpPr>
+            <p:cNvPr id="72" name="Elbow Connector 71"/>
+            <p:cNvCxnSpPr>
+              <a:stCxn id="29" idx="3"/>
+              <a:endCxn id="19" idx="1"/>
+            </p:cNvCxnSpPr>
+            <p:nvPr/>
+          </p:nvCxnSpPr>
+          <p:spPr>
+            <a:xfrm>
+              <a:off x="2796014" y="1116647"/>
+              <a:ext cx="678154" cy="702325"/>
+            </a:xfrm>
+            <a:prstGeom prst="bentConnector3">
+              <a:avLst>
+                <a:gd name="adj1" fmla="val 50000"/>
+              </a:avLst>
+            </a:prstGeom>
+            <a:ln>
+              <a:tailEnd type="triangle"/>
+            </a:ln>
+          </p:spPr>
+          <p:style>
+            <a:lnRef idx="1">
+              <a:schemeClr val="accent1"/>
+            </a:lnRef>
+            <a:fillRef idx="0">
+              <a:schemeClr val="accent1"/>
+            </a:fillRef>
+            <a:effectRef idx="0">
+              <a:schemeClr val="accent1"/>
+            </a:effectRef>
+            <a:fontRef idx="minor">
+              <a:schemeClr val="tx1"/>
+            </a:fontRef>
+          </p:style>
+        </p:cxnSp>
+      </p:grpSp>
     </p:spTree>
     <p:extLst>
       <p:ext uri="{BB962C8B-B14F-4D97-AF65-F5344CB8AC3E}">

--- a/Journal Analytics Process.pptx
+++ b/Journal Analytics Process.pptx
@@ -104,6 +104,11 @@
       </a:defRPr>
     </a:lvl9pPr>
   </p:defaultTextStyle>
+  <p:extLst>
+    <p:ext uri="{EFAFB233-063F-42B5-8137-9DF3F51BA10A}">
+      <p15:sldGuideLst xmlns:p15="http://schemas.microsoft.com/office/powerpoint/2012/main"/>
+    </p:ext>
+  </p:extLst>
 </p:presentation>
 </file>
 
@@ -2966,7 +2971,7 @@
       </p:grpSpPr>
       <p:grpSp>
         <p:nvGrpSpPr>
-          <p:cNvPr id="78" name="Group 77"/>
+          <p:cNvPr id="2" name="Group 1"/>
           <p:cNvGrpSpPr/>
           <p:nvPr/>
         </p:nvGrpSpPr>
@@ -2974,68 +2979,823 @@
           <a:xfrm>
             <a:off x="1131427" y="597831"/>
             <a:ext cx="9929146" cy="5662339"/>
-            <a:chOff x="822343" y="594428"/>
+            <a:chOff x="1131427" y="597831"/>
             <a:chExt cx="9929146" cy="5662339"/>
           </a:xfrm>
         </p:grpSpPr>
+        <p:grpSp>
+          <p:nvGrpSpPr>
+            <p:cNvPr id="78" name="Group 77"/>
+            <p:cNvGrpSpPr/>
+            <p:nvPr/>
+          </p:nvGrpSpPr>
+          <p:grpSpPr>
+            <a:xfrm>
+              <a:off x="1131427" y="597831"/>
+              <a:ext cx="9929146" cy="5662339"/>
+              <a:chOff x="822343" y="594428"/>
+              <a:chExt cx="9929146" cy="5662339"/>
+            </a:xfrm>
+          </p:grpSpPr>
+          <p:sp>
+            <p:nvSpPr>
+              <p:cNvPr id="4" name="Rounded Rectangle 3"/>
+              <p:cNvSpPr/>
+              <p:nvPr/>
+            </p:nvSpPr>
+            <p:spPr>
+              <a:xfrm>
+                <a:off x="822344" y="2287188"/>
+                <a:ext cx="1973671" cy="936433"/>
+              </a:xfrm>
+              <a:prstGeom prst="roundRect">
+                <a:avLst>
+                  <a:gd name="adj" fmla="val 50000"/>
+                </a:avLst>
+              </a:prstGeom>
+              <a:ln>
+                <a:noFill/>
+              </a:ln>
+            </p:spPr>
+            <p:style>
+              <a:lnRef idx="2">
+                <a:schemeClr val="accent1">
+                  <a:shade val="50000"/>
+                </a:schemeClr>
+              </a:lnRef>
+              <a:fillRef idx="1">
+                <a:schemeClr val="accent1"/>
+              </a:fillRef>
+              <a:effectRef idx="0">
+                <a:schemeClr val="accent1"/>
+              </a:effectRef>
+              <a:fontRef idx="minor">
+                <a:schemeClr val="lt1"/>
+              </a:fontRef>
+            </p:style>
+            <p:txBody>
+              <a:bodyPr rtlCol="0" anchor="ctr"/>
+              <a:lstStyle/>
+              <a:p>
+                <a:pPr algn="ctr"/>
+                <a:r>
+                  <a:rPr lang="en-US" dirty="0" smtClean="0"/>
+                  <a:t>User Inputs Journal Entry</a:t>
+                </a:r>
+                <a:endParaRPr lang="en-US" dirty="0"/>
+              </a:p>
+            </p:txBody>
+          </p:sp>
+          <p:sp>
+            <p:nvSpPr>
+              <p:cNvPr id="19" name="Rectangle 18"/>
+              <p:cNvSpPr/>
+              <p:nvPr/>
+            </p:nvSpPr>
+            <p:spPr>
+              <a:xfrm>
+                <a:off x="3474168" y="1350755"/>
+                <a:ext cx="1973671" cy="936433"/>
+              </a:xfrm>
+              <a:prstGeom prst="rect">
+                <a:avLst/>
+              </a:prstGeom>
+            </p:spPr>
+            <p:style>
+              <a:lnRef idx="2">
+                <a:schemeClr val="accent1">
+                  <a:shade val="50000"/>
+                </a:schemeClr>
+              </a:lnRef>
+              <a:fillRef idx="1">
+                <a:schemeClr val="accent1"/>
+              </a:fillRef>
+              <a:effectRef idx="0">
+                <a:schemeClr val="accent1"/>
+              </a:effectRef>
+              <a:fontRef idx="minor">
+                <a:schemeClr val="lt1"/>
+              </a:fontRef>
+            </p:style>
+            <p:txBody>
+              <a:bodyPr rtlCol="0" anchor="ctr"/>
+              <a:lstStyle/>
+              <a:p>
+                <a:pPr algn="ctr"/>
+                <a:r>
+                  <a:rPr lang="en-US" dirty="0" smtClean="0"/>
+                  <a:t>Parse to Sentence</a:t>
+                </a:r>
+                <a:endParaRPr lang="en-US" dirty="0"/>
+              </a:p>
+            </p:txBody>
+          </p:sp>
+          <p:sp>
+            <p:nvSpPr>
+              <p:cNvPr id="21" name="Rectangle 20"/>
+              <p:cNvSpPr/>
+              <p:nvPr/>
+            </p:nvSpPr>
+            <p:spPr>
+              <a:xfrm>
+                <a:off x="3474167" y="4655815"/>
+                <a:ext cx="1973671" cy="936433"/>
+              </a:xfrm>
+              <a:prstGeom prst="rect">
+                <a:avLst/>
+              </a:prstGeom>
+            </p:spPr>
+            <p:style>
+              <a:lnRef idx="2">
+                <a:schemeClr val="accent1">
+                  <a:shade val="50000"/>
+                </a:schemeClr>
+              </a:lnRef>
+              <a:fillRef idx="1">
+                <a:schemeClr val="accent1"/>
+              </a:fillRef>
+              <a:effectRef idx="0">
+                <a:schemeClr val="accent1"/>
+              </a:effectRef>
+              <a:fontRef idx="minor">
+                <a:schemeClr val="lt1"/>
+              </a:fontRef>
+            </p:style>
+            <p:txBody>
+              <a:bodyPr rtlCol="0" anchor="ctr"/>
+              <a:lstStyle/>
+              <a:p>
+                <a:pPr algn="ctr"/>
+                <a:r>
+                  <a:rPr lang="en-US" dirty="0" smtClean="0"/>
+                  <a:t>Concept Insights</a:t>
+                </a:r>
+                <a:endParaRPr lang="en-US" dirty="0"/>
+              </a:p>
+            </p:txBody>
+          </p:sp>
+          <p:sp>
+            <p:nvSpPr>
+              <p:cNvPr id="22" name="Rectangle 21"/>
+              <p:cNvSpPr/>
+              <p:nvPr/>
+            </p:nvSpPr>
+            <p:spPr>
+              <a:xfrm>
+                <a:off x="6125993" y="2015765"/>
+                <a:ext cx="1973671" cy="936433"/>
+              </a:xfrm>
+              <a:prstGeom prst="rect">
+                <a:avLst/>
+              </a:prstGeom>
+            </p:spPr>
+            <p:style>
+              <a:lnRef idx="2">
+                <a:schemeClr val="accent1">
+                  <a:shade val="50000"/>
+                </a:schemeClr>
+              </a:lnRef>
+              <a:fillRef idx="1">
+                <a:schemeClr val="accent1"/>
+              </a:fillRef>
+              <a:effectRef idx="0">
+                <a:schemeClr val="accent1"/>
+              </a:effectRef>
+              <a:fontRef idx="minor">
+                <a:schemeClr val="lt1"/>
+              </a:fontRef>
+            </p:style>
+            <p:txBody>
+              <a:bodyPr rtlCol="0" anchor="ctr"/>
+              <a:lstStyle/>
+              <a:p>
+                <a:pPr algn="ctr"/>
+                <a:r>
+                  <a:rPr lang="en-US" dirty="0" smtClean="0"/>
+                  <a:t>Natural Language Classifier</a:t>
+                </a:r>
+                <a:endParaRPr lang="en-US" dirty="0"/>
+              </a:p>
+            </p:txBody>
+          </p:sp>
+          <p:sp>
+            <p:nvSpPr>
+              <p:cNvPr id="23" name="Rectangle 22"/>
+              <p:cNvSpPr/>
+              <p:nvPr/>
+            </p:nvSpPr>
+            <p:spPr>
+              <a:xfrm>
+                <a:off x="6125993" y="594428"/>
+                <a:ext cx="1973671" cy="936433"/>
+              </a:xfrm>
+              <a:prstGeom prst="rect">
+                <a:avLst/>
+              </a:prstGeom>
+            </p:spPr>
+            <p:style>
+              <a:lnRef idx="2">
+                <a:schemeClr val="accent1">
+                  <a:shade val="50000"/>
+                </a:schemeClr>
+              </a:lnRef>
+              <a:fillRef idx="1">
+                <a:schemeClr val="accent1"/>
+              </a:fillRef>
+              <a:effectRef idx="0">
+                <a:schemeClr val="accent1"/>
+              </a:effectRef>
+              <a:fontRef idx="minor">
+                <a:schemeClr val="lt1"/>
+              </a:fontRef>
+            </p:style>
+            <p:txBody>
+              <a:bodyPr rtlCol="0" anchor="ctr"/>
+              <a:lstStyle/>
+              <a:p>
+                <a:pPr algn="ctr"/>
+                <a:r>
+                  <a:rPr lang="en-US" dirty="0" smtClean="0"/>
+                  <a:t>Alchemy Language</a:t>
+                </a:r>
+                <a:endParaRPr lang="en-US" dirty="0"/>
+              </a:p>
+            </p:txBody>
+          </p:sp>
+          <p:sp>
+            <p:nvSpPr>
+              <p:cNvPr id="24" name="Rectangle 23"/>
+              <p:cNvSpPr/>
+              <p:nvPr/>
+            </p:nvSpPr>
+            <p:spPr>
+              <a:xfrm>
+                <a:off x="8777818" y="1215044"/>
+                <a:ext cx="1973671" cy="936433"/>
+              </a:xfrm>
+              <a:prstGeom prst="rect">
+                <a:avLst/>
+              </a:prstGeom>
+            </p:spPr>
+            <p:style>
+              <a:lnRef idx="2">
+                <a:schemeClr val="accent1">
+                  <a:shade val="50000"/>
+                </a:schemeClr>
+              </a:lnRef>
+              <a:fillRef idx="1">
+                <a:schemeClr val="accent1"/>
+              </a:fillRef>
+              <a:effectRef idx="0">
+                <a:schemeClr val="accent1"/>
+              </a:effectRef>
+              <a:fontRef idx="minor">
+                <a:schemeClr val="lt1"/>
+              </a:fontRef>
+            </p:style>
+            <p:txBody>
+              <a:bodyPr rtlCol="0" anchor="ctr"/>
+              <a:lstStyle/>
+              <a:p>
+                <a:pPr algn="ctr"/>
+                <a:r>
+                  <a:rPr lang="en-US" dirty="0" smtClean="0"/>
+                  <a:t>Pair</a:t>
+                </a:r>
+                <a:endParaRPr lang="en-US" dirty="0"/>
+              </a:p>
+            </p:txBody>
+          </p:sp>
+          <p:sp>
+            <p:nvSpPr>
+              <p:cNvPr id="26" name="Rectangle 25"/>
+              <p:cNvSpPr/>
+              <p:nvPr/>
+            </p:nvSpPr>
+            <p:spPr>
+              <a:xfrm>
+                <a:off x="8777817" y="3267689"/>
+                <a:ext cx="1973671" cy="936433"/>
+              </a:xfrm>
+              <a:prstGeom prst="rect">
+                <a:avLst/>
+              </a:prstGeom>
+              <a:ln>
+                <a:noFill/>
+              </a:ln>
+            </p:spPr>
+            <p:style>
+              <a:lnRef idx="2">
+                <a:schemeClr val="accent1">
+                  <a:shade val="50000"/>
+                </a:schemeClr>
+              </a:lnRef>
+              <a:fillRef idx="1">
+                <a:schemeClr val="accent1"/>
+              </a:fillRef>
+              <a:effectRef idx="0">
+                <a:schemeClr val="accent1"/>
+              </a:effectRef>
+              <a:fontRef idx="minor">
+                <a:schemeClr val="lt1"/>
+              </a:fontRef>
+            </p:style>
+            <p:txBody>
+              <a:bodyPr rtlCol="0" anchor="ctr"/>
+              <a:lstStyle/>
+              <a:p>
+                <a:pPr algn="ctr"/>
+                <a:r>
+                  <a:rPr lang="en-US" dirty="0" smtClean="0"/>
+                  <a:t>Retrieve and Rank</a:t>
+                </a:r>
+                <a:endParaRPr lang="en-US" dirty="0"/>
+              </a:p>
+            </p:txBody>
+          </p:sp>
+          <p:sp>
+            <p:nvSpPr>
+              <p:cNvPr id="29" name="Rectangle 28"/>
+              <p:cNvSpPr/>
+              <p:nvPr/>
+            </p:nvSpPr>
+            <p:spPr>
+              <a:xfrm>
+                <a:off x="822343" y="648430"/>
+                <a:ext cx="1973671" cy="936433"/>
+              </a:xfrm>
+              <a:prstGeom prst="rect">
+                <a:avLst/>
+              </a:prstGeom>
+              <a:solidFill>
+                <a:schemeClr val="accent2"/>
+              </a:solidFill>
+              <a:ln>
+                <a:noFill/>
+              </a:ln>
+            </p:spPr>
+            <p:style>
+              <a:lnRef idx="2">
+                <a:schemeClr val="accent1">
+                  <a:shade val="50000"/>
+                </a:schemeClr>
+              </a:lnRef>
+              <a:fillRef idx="1">
+                <a:schemeClr val="accent1"/>
+              </a:fillRef>
+              <a:effectRef idx="0">
+                <a:schemeClr val="accent1"/>
+              </a:effectRef>
+              <a:fontRef idx="minor">
+                <a:schemeClr val="lt1"/>
+              </a:fontRef>
+            </p:style>
+            <p:txBody>
+              <a:bodyPr rtlCol="0" anchor="ctr"/>
+              <a:lstStyle/>
+              <a:p>
+                <a:pPr algn="ctr"/>
+                <a:r>
+                  <a:rPr lang="en-US" dirty="0" smtClean="0"/>
+                  <a:t>Dialog/Speech to text</a:t>
+                </a:r>
+                <a:endParaRPr lang="en-US" dirty="0"/>
+              </a:p>
+            </p:txBody>
+          </p:sp>
+          <p:sp>
+            <p:nvSpPr>
+              <p:cNvPr id="30" name="Rounded Rectangle 29"/>
+              <p:cNvSpPr/>
+              <p:nvPr/>
+            </p:nvSpPr>
+            <p:spPr>
+              <a:xfrm>
+                <a:off x="8777817" y="5320334"/>
+                <a:ext cx="1973671" cy="936433"/>
+              </a:xfrm>
+              <a:prstGeom prst="roundRect">
+                <a:avLst>
+                  <a:gd name="adj" fmla="val 50000"/>
+                </a:avLst>
+              </a:prstGeom>
+              <a:ln>
+                <a:noFill/>
+              </a:ln>
+            </p:spPr>
+            <p:style>
+              <a:lnRef idx="2">
+                <a:schemeClr val="accent1">
+                  <a:shade val="50000"/>
+                </a:schemeClr>
+              </a:lnRef>
+              <a:fillRef idx="1">
+                <a:schemeClr val="accent1"/>
+              </a:fillRef>
+              <a:effectRef idx="0">
+                <a:schemeClr val="accent1"/>
+              </a:effectRef>
+              <a:fontRef idx="minor">
+                <a:schemeClr val="lt1"/>
+              </a:fontRef>
+            </p:style>
+            <p:txBody>
+              <a:bodyPr rtlCol="0" anchor="ctr"/>
+              <a:lstStyle/>
+              <a:p>
+                <a:pPr algn="ctr"/>
+                <a:r>
+                  <a:rPr lang="en-US" dirty="0" smtClean="0"/>
+                  <a:t>Output Analysis</a:t>
+                </a:r>
+                <a:endParaRPr lang="en-US" dirty="0"/>
+              </a:p>
+            </p:txBody>
+          </p:sp>
+          <p:cxnSp>
+            <p:nvCxnSpPr>
+              <p:cNvPr id="32" name="Elbow Connector 31"/>
+              <p:cNvCxnSpPr>
+                <a:stCxn id="4" idx="3"/>
+                <a:endCxn id="19" idx="1"/>
+              </p:cNvCxnSpPr>
+              <p:nvPr/>
+            </p:nvCxnSpPr>
+            <p:spPr>
+              <a:xfrm flipV="1">
+                <a:off x="2796015" y="1818972"/>
+                <a:ext cx="678153" cy="936433"/>
+              </a:xfrm>
+              <a:prstGeom prst="bentConnector3">
+                <a:avLst/>
+              </a:prstGeom>
+              <a:ln>
+                <a:tailEnd type="triangle"/>
+              </a:ln>
+            </p:spPr>
+            <p:style>
+              <a:lnRef idx="1">
+                <a:schemeClr val="accent1"/>
+              </a:lnRef>
+              <a:fillRef idx="0">
+                <a:schemeClr val="accent1"/>
+              </a:fillRef>
+              <a:effectRef idx="0">
+                <a:schemeClr val="accent1"/>
+              </a:effectRef>
+              <a:fontRef idx="minor">
+                <a:schemeClr val="tx1"/>
+              </a:fontRef>
+            </p:style>
+          </p:cxnSp>
+          <p:cxnSp>
+            <p:nvCxnSpPr>
+              <p:cNvPr id="33" name="Elbow Connector 32"/>
+              <p:cNvCxnSpPr>
+                <a:stCxn id="4" idx="3"/>
+                <a:endCxn id="21" idx="1"/>
+              </p:cNvCxnSpPr>
+              <p:nvPr/>
+            </p:nvCxnSpPr>
+            <p:spPr>
+              <a:xfrm>
+                <a:off x="2796015" y="2755405"/>
+                <a:ext cx="678152" cy="2368627"/>
+              </a:xfrm>
+              <a:prstGeom prst="bentConnector3">
+                <a:avLst/>
+              </a:prstGeom>
+              <a:ln>
+                <a:tailEnd type="triangle"/>
+              </a:ln>
+            </p:spPr>
+            <p:style>
+              <a:lnRef idx="1">
+                <a:schemeClr val="accent1"/>
+              </a:lnRef>
+              <a:fillRef idx="0">
+                <a:schemeClr val="accent1"/>
+              </a:fillRef>
+              <a:effectRef idx="0">
+                <a:schemeClr val="accent1"/>
+              </a:effectRef>
+              <a:fontRef idx="minor">
+                <a:schemeClr val="tx1"/>
+              </a:fontRef>
+            </p:style>
+          </p:cxnSp>
+          <p:cxnSp>
+            <p:nvCxnSpPr>
+              <p:cNvPr id="36" name="Elbow Connector 35"/>
+              <p:cNvCxnSpPr>
+                <a:stCxn id="21" idx="3"/>
+                <a:endCxn id="22" idx="1"/>
+              </p:cNvCxnSpPr>
+              <p:nvPr/>
+            </p:nvCxnSpPr>
+            <p:spPr>
+              <a:xfrm flipV="1">
+                <a:off x="5447838" y="2483982"/>
+                <a:ext cx="678155" cy="2640050"/>
+              </a:xfrm>
+              <a:prstGeom prst="bentConnector3">
+                <a:avLst>
+                  <a:gd name="adj1" fmla="val 27256"/>
+                </a:avLst>
+              </a:prstGeom>
+              <a:ln>
+                <a:tailEnd type="triangle"/>
+              </a:ln>
+            </p:spPr>
+            <p:style>
+              <a:lnRef idx="1">
+                <a:schemeClr val="accent1"/>
+              </a:lnRef>
+              <a:fillRef idx="0">
+                <a:schemeClr val="accent1"/>
+              </a:fillRef>
+              <a:effectRef idx="0">
+                <a:schemeClr val="accent1"/>
+              </a:effectRef>
+              <a:fontRef idx="minor">
+                <a:schemeClr val="tx1"/>
+              </a:fontRef>
+            </p:style>
+          </p:cxnSp>
+          <p:cxnSp>
+            <p:nvCxnSpPr>
+              <p:cNvPr id="40" name="Elbow Connector 39"/>
+              <p:cNvCxnSpPr>
+                <a:stCxn id="19" idx="3"/>
+                <a:endCxn id="23" idx="1"/>
+              </p:cNvCxnSpPr>
+              <p:nvPr/>
+            </p:nvCxnSpPr>
+            <p:spPr>
+              <a:xfrm flipV="1">
+                <a:off x="5447839" y="1062645"/>
+                <a:ext cx="678154" cy="756327"/>
+              </a:xfrm>
+              <a:prstGeom prst="bentConnector3">
+                <a:avLst>
+                  <a:gd name="adj1" fmla="val 50000"/>
+                </a:avLst>
+              </a:prstGeom>
+              <a:ln>
+                <a:tailEnd type="triangle"/>
+              </a:ln>
+            </p:spPr>
+            <p:style>
+              <a:lnRef idx="1">
+                <a:schemeClr val="accent1"/>
+              </a:lnRef>
+              <a:fillRef idx="0">
+                <a:schemeClr val="accent1"/>
+              </a:fillRef>
+              <a:effectRef idx="0">
+                <a:schemeClr val="accent1"/>
+              </a:effectRef>
+              <a:fontRef idx="minor">
+                <a:schemeClr val="tx1"/>
+              </a:fontRef>
+            </p:style>
+          </p:cxnSp>
+          <p:cxnSp>
+            <p:nvCxnSpPr>
+              <p:cNvPr id="43" name="Elbow Connector 42"/>
+              <p:cNvCxnSpPr>
+                <a:stCxn id="19" idx="3"/>
+                <a:endCxn id="22" idx="1"/>
+              </p:cNvCxnSpPr>
+              <p:nvPr/>
+            </p:nvCxnSpPr>
+            <p:spPr>
+              <a:xfrm>
+                <a:off x="5447839" y="1818972"/>
+                <a:ext cx="678154" cy="665010"/>
+              </a:xfrm>
+              <a:prstGeom prst="bentConnector3">
+                <a:avLst>
+                  <a:gd name="adj1" fmla="val 50000"/>
+                </a:avLst>
+              </a:prstGeom>
+              <a:ln>
+                <a:tailEnd type="triangle"/>
+              </a:ln>
+            </p:spPr>
+            <p:style>
+              <a:lnRef idx="1">
+                <a:schemeClr val="accent1"/>
+              </a:lnRef>
+              <a:fillRef idx="0">
+                <a:schemeClr val="accent1"/>
+              </a:fillRef>
+              <a:effectRef idx="0">
+                <a:schemeClr val="accent1"/>
+              </a:effectRef>
+              <a:fontRef idx="minor">
+                <a:schemeClr val="tx1"/>
+              </a:fontRef>
+            </p:style>
+          </p:cxnSp>
+          <p:cxnSp>
+            <p:nvCxnSpPr>
+              <p:cNvPr id="48" name="Elbow Connector 47"/>
+              <p:cNvCxnSpPr>
+                <a:stCxn id="23" idx="3"/>
+                <a:endCxn id="24" idx="1"/>
+              </p:cNvCxnSpPr>
+              <p:nvPr/>
+            </p:nvCxnSpPr>
+            <p:spPr>
+              <a:xfrm>
+                <a:off x="8099664" y="1062645"/>
+                <a:ext cx="678154" cy="620616"/>
+              </a:xfrm>
+              <a:prstGeom prst="bentConnector3">
+                <a:avLst>
+                  <a:gd name="adj1" fmla="val 50000"/>
+                </a:avLst>
+              </a:prstGeom>
+              <a:ln>
+                <a:tailEnd type="triangle"/>
+              </a:ln>
+            </p:spPr>
+            <p:style>
+              <a:lnRef idx="1">
+                <a:schemeClr val="accent1"/>
+              </a:lnRef>
+              <a:fillRef idx="0">
+                <a:schemeClr val="accent1"/>
+              </a:fillRef>
+              <a:effectRef idx="0">
+                <a:schemeClr val="accent1"/>
+              </a:effectRef>
+              <a:fontRef idx="minor">
+                <a:schemeClr val="tx1"/>
+              </a:fontRef>
+            </p:style>
+          </p:cxnSp>
+          <p:cxnSp>
+            <p:nvCxnSpPr>
+              <p:cNvPr id="51" name="Elbow Connector 50"/>
+              <p:cNvCxnSpPr>
+                <a:stCxn id="22" idx="3"/>
+                <a:endCxn id="24" idx="1"/>
+              </p:cNvCxnSpPr>
+              <p:nvPr/>
+            </p:nvCxnSpPr>
+            <p:spPr>
+              <a:xfrm flipV="1">
+                <a:off x="8099664" y="1683261"/>
+                <a:ext cx="678154" cy="800721"/>
+              </a:xfrm>
+              <a:prstGeom prst="bentConnector3">
+                <a:avLst>
+                  <a:gd name="adj1" fmla="val 50000"/>
+                </a:avLst>
+              </a:prstGeom>
+              <a:ln>
+                <a:tailEnd type="triangle"/>
+              </a:ln>
+            </p:spPr>
+            <p:style>
+              <a:lnRef idx="1">
+                <a:schemeClr val="accent1"/>
+              </a:lnRef>
+              <a:fillRef idx="0">
+                <a:schemeClr val="accent1"/>
+              </a:fillRef>
+              <a:effectRef idx="0">
+                <a:schemeClr val="accent1"/>
+              </a:effectRef>
+              <a:fontRef idx="minor">
+                <a:schemeClr val="tx1"/>
+              </a:fontRef>
+            </p:style>
+          </p:cxnSp>
+          <p:cxnSp>
+            <p:nvCxnSpPr>
+              <p:cNvPr id="54" name="Elbow Connector 53"/>
+              <p:cNvCxnSpPr>
+                <a:stCxn id="24" idx="2"/>
+                <a:endCxn id="26" idx="0"/>
+              </p:cNvCxnSpPr>
+              <p:nvPr/>
+            </p:nvCxnSpPr>
+            <p:spPr>
+              <a:xfrm rot="5400000">
+                <a:off x="9206548" y="2709583"/>
+                <a:ext cx="1116212" cy="1"/>
+              </a:xfrm>
+              <a:prstGeom prst="bentConnector3">
+                <a:avLst>
+                  <a:gd name="adj1" fmla="val 50000"/>
+                </a:avLst>
+              </a:prstGeom>
+              <a:ln>
+                <a:tailEnd type="triangle"/>
+              </a:ln>
+            </p:spPr>
+            <p:style>
+              <a:lnRef idx="1">
+                <a:schemeClr val="accent1"/>
+              </a:lnRef>
+              <a:fillRef idx="0">
+                <a:schemeClr val="accent1"/>
+              </a:fillRef>
+              <a:effectRef idx="0">
+                <a:schemeClr val="accent1"/>
+              </a:effectRef>
+              <a:fontRef idx="minor">
+                <a:schemeClr val="tx1"/>
+              </a:fontRef>
+            </p:style>
+          </p:cxnSp>
+          <p:cxnSp>
+            <p:nvCxnSpPr>
+              <p:cNvPr id="66" name="Straight Arrow Connector 65"/>
+              <p:cNvCxnSpPr>
+                <a:stCxn id="26" idx="2"/>
+                <a:endCxn id="30" idx="0"/>
+              </p:cNvCxnSpPr>
+              <p:nvPr/>
+            </p:nvCxnSpPr>
+            <p:spPr>
+              <a:xfrm>
+                <a:off x="9764653" y="4204122"/>
+                <a:ext cx="0" cy="1116212"/>
+              </a:xfrm>
+              <a:prstGeom prst="straightConnector1">
+                <a:avLst/>
+              </a:prstGeom>
+              <a:ln>
+                <a:tailEnd type="triangle"/>
+              </a:ln>
+            </p:spPr>
+            <p:style>
+              <a:lnRef idx="1">
+                <a:schemeClr val="accent1"/>
+              </a:lnRef>
+              <a:fillRef idx="0">
+                <a:schemeClr val="accent1"/>
+              </a:fillRef>
+              <a:effectRef idx="0">
+                <a:schemeClr val="accent1"/>
+              </a:effectRef>
+              <a:fontRef idx="minor">
+                <a:schemeClr val="tx1"/>
+              </a:fontRef>
+            </p:style>
+          </p:cxnSp>
+          <p:cxnSp>
+            <p:nvCxnSpPr>
+              <p:cNvPr id="72" name="Elbow Connector 71"/>
+              <p:cNvCxnSpPr>
+                <a:stCxn id="29" idx="3"/>
+                <a:endCxn id="19" idx="1"/>
+              </p:cNvCxnSpPr>
+              <p:nvPr/>
+            </p:nvCxnSpPr>
+            <p:spPr>
+              <a:xfrm>
+                <a:off x="2796014" y="1116647"/>
+                <a:ext cx="678154" cy="702325"/>
+              </a:xfrm>
+              <a:prstGeom prst="bentConnector3">
+                <a:avLst>
+                  <a:gd name="adj1" fmla="val 50000"/>
+                </a:avLst>
+              </a:prstGeom>
+              <a:ln>
+                <a:tailEnd type="triangle"/>
+              </a:ln>
+            </p:spPr>
+            <p:style>
+              <a:lnRef idx="1">
+                <a:schemeClr val="accent1"/>
+              </a:lnRef>
+              <a:fillRef idx="0">
+                <a:schemeClr val="accent1"/>
+              </a:fillRef>
+              <a:effectRef idx="0">
+                <a:schemeClr val="accent1"/>
+              </a:effectRef>
+              <a:fontRef idx="minor">
+                <a:schemeClr val="tx1"/>
+              </a:fontRef>
+            </p:style>
+          </p:cxnSp>
+        </p:grpSp>
         <p:sp>
           <p:nvSpPr>
-            <p:cNvPr id="4" name="Rounded Rectangle 3"/>
+            <p:cNvPr id="25" name="Rectangle 24"/>
             <p:cNvSpPr/>
             <p:nvPr/>
           </p:nvSpPr>
           <p:spPr>
             <a:xfrm>
-              <a:off x="822344" y="2287188"/>
-              <a:ext cx="1973671" cy="936433"/>
-            </a:xfrm>
-            <a:prstGeom prst="roundRect">
-              <a:avLst>
-                <a:gd name="adj" fmla="val 50000"/>
-              </a:avLst>
-            </a:prstGeom>
-            <a:ln>
-              <a:noFill/>
-            </a:ln>
-          </p:spPr>
-          <p:style>
-            <a:lnRef idx="2">
-              <a:schemeClr val="accent1">
-                <a:shade val="50000"/>
-              </a:schemeClr>
-            </a:lnRef>
-            <a:fillRef idx="1">
-              <a:schemeClr val="accent1"/>
-            </a:fillRef>
-            <a:effectRef idx="0">
-              <a:schemeClr val="accent1"/>
-            </a:effectRef>
-            <a:fontRef idx="minor">
-              <a:schemeClr val="lt1"/>
-            </a:fontRef>
-          </p:style>
-          <p:txBody>
-            <a:bodyPr rtlCol="0" anchor="ctr"/>
-            <a:lstStyle/>
-            <a:p>
-              <a:pPr algn="ctr"/>
-              <a:r>
-                <a:rPr lang="en-US" dirty="0" smtClean="0"/>
-                <a:t>User Inputs Journal Entry</a:t>
-              </a:r>
-              <a:endParaRPr lang="en-US" dirty="0"/>
-            </a:p>
-          </p:txBody>
-        </p:sp>
-        <p:sp>
-          <p:nvSpPr>
-            <p:cNvPr id="19" name="Rectangle 18"/>
-            <p:cNvSpPr/>
-            <p:nvPr/>
-          </p:nvSpPr>
-          <p:spPr>
-            <a:xfrm>
-              <a:off x="3474168" y="1350755"/>
+              <a:off x="4954823" y="3288105"/>
               <a:ext cx="1973671" cy="936433"/>
             </a:xfrm>
             <a:prstGeom prst="rect">
@@ -3065,755 +3825,12 @@
               <a:pPr algn="ctr"/>
               <a:r>
                 <a:rPr lang="en-US" dirty="0" smtClean="0"/>
-                <a:t>Parse to Sentence</a:t>
+                <a:t>Word2Vec</a:t>
               </a:r>
               <a:endParaRPr lang="en-US" dirty="0"/>
             </a:p>
           </p:txBody>
         </p:sp>
-        <p:sp>
-          <p:nvSpPr>
-            <p:cNvPr id="21" name="Rectangle 20"/>
-            <p:cNvSpPr/>
-            <p:nvPr/>
-          </p:nvSpPr>
-          <p:spPr>
-            <a:xfrm>
-              <a:off x="3474167" y="4655815"/>
-              <a:ext cx="1973671" cy="936433"/>
-            </a:xfrm>
-            <a:prstGeom prst="rect">
-              <a:avLst/>
-            </a:prstGeom>
-          </p:spPr>
-          <p:style>
-            <a:lnRef idx="2">
-              <a:schemeClr val="accent1">
-                <a:shade val="50000"/>
-              </a:schemeClr>
-            </a:lnRef>
-            <a:fillRef idx="1">
-              <a:schemeClr val="accent1"/>
-            </a:fillRef>
-            <a:effectRef idx="0">
-              <a:schemeClr val="accent1"/>
-            </a:effectRef>
-            <a:fontRef idx="minor">
-              <a:schemeClr val="lt1"/>
-            </a:fontRef>
-          </p:style>
-          <p:txBody>
-            <a:bodyPr rtlCol="0" anchor="ctr"/>
-            <a:lstStyle/>
-            <a:p>
-              <a:pPr algn="ctr"/>
-              <a:r>
-                <a:rPr lang="en-US" dirty="0" smtClean="0"/>
-                <a:t>Concept Insights</a:t>
-              </a:r>
-              <a:endParaRPr lang="en-US" dirty="0"/>
-            </a:p>
-          </p:txBody>
-        </p:sp>
-        <p:sp>
-          <p:nvSpPr>
-            <p:cNvPr id="22" name="Rectangle 21"/>
-            <p:cNvSpPr/>
-            <p:nvPr/>
-          </p:nvSpPr>
-          <p:spPr>
-            <a:xfrm>
-              <a:off x="6125993" y="2015765"/>
-              <a:ext cx="1973671" cy="936433"/>
-            </a:xfrm>
-            <a:prstGeom prst="rect">
-              <a:avLst/>
-            </a:prstGeom>
-          </p:spPr>
-          <p:style>
-            <a:lnRef idx="2">
-              <a:schemeClr val="accent1">
-                <a:shade val="50000"/>
-              </a:schemeClr>
-            </a:lnRef>
-            <a:fillRef idx="1">
-              <a:schemeClr val="accent1"/>
-            </a:fillRef>
-            <a:effectRef idx="0">
-              <a:schemeClr val="accent1"/>
-            </a:effectRef>
-            <a:fontRef idx="minor">
-              <a:schemeClr val="lt1"/>
-            </a:fontRef>
-          </p:style>
-          <p:txBody>
-            <a:bodyPr rtlCol="0" anchor="ctr"/>
-            <a:lstStyle/>
-            <a:p>
-              <a:pPr algn="ctr"/>
-              <a:r>
-                <a:rPr lang="en-US" dirty="0" smtClean="0"/>
-                <a:t>Natural Language Classifier</a:t>
-              </a:r>
-              <a:endParaRPr lang="en-US" dirty="0"/>
-            </a:p>
-          </p:txBody>
-        </p:sp>
-        <p:sp>
-          <p:nvSpPr>
-            <p:cNvPr id="23" name="Rectangle 22"/>
-            <p:cNvSpPr/>
-            <p:nvPr/>
-          </p:nvSpPr>
-          <p:spPr>
-            <a:xfrm>
-              <a:off x="6125993" y="594428"/>
-              <a:ext cx="1973671" cy="936433"/>
-            </a:xfrm>
-            <a:prstGeom prst="rect">
-              <a:avLst/>
-            </a:prstGeom>
-          </p:spPr>
-          <p:style>
-            <a:lnRef idx="2">
-              <a:schemeClr val="accent1">
-                <a:shade val="50000"/>
-              </a:schemeClr>
-            </a:lnRef>
-            <a:fillRef idx="1">
-              <a:schemeClr val="accent1"/>
-            </a:fillRef>
-            <a:effectRef idx="0">
-              <a:schemeClr val="accent1"/>
-            </a:effectRef>
-            <a:fontRef idx="minor">
-              <a:schemeClr val="lt1"/>
-            </a:fontRef>
-          </p:style>
-          <p:txBody>
-            <a:bodyPr rtlCol="0" anchor="ctr"/>
-            <a:lstStyle/>
-            <a:p>
-              <a:pPr algn="ctr"/>
-              <a:r>
-                <a:rPr lang="en-US" dirty="0" smtClean="0"/>
-                <a:t>Alchemy Language</a:t>
-              </a:r>
-              <a:endParaRPr lang="en-US" dirty="0"/>
-            </a:p>
-          </p:txBody>
-        </p:sp>
-        <p:sp>
-          <p:nvSpPr>
-            <p:cNvPr id="24" name="Rectangle 23"/>
-            <p:cNvSpPr/>
-            <p:nvPr/>
-          </p:nvSpPr>
-          <p:spPr>
-            <a:xfrm>
-              <a:off x="8777818" y="1215044"/>
-              <a:ext cx="1973671" cy="936433"/>
-            </a:xfrm>
-            <a:prstGeom prst="rect">
-              <a:avLst/>
-            </a:prstGeom>
-          </p:spPr>
-          <p:style>
-            <a:lnRef idx="2">
-              <a:schemeClr val="accent1">
-                <a:shade val="50000"/>
-              </a:schemeClr>
-            </a:lnRef>
-            <a:fillRef idx="1">
-              <a:schemeClr val="accent1"/>
-            </a:fillRef>
-            <a:effectRef idx="0">
-              <a:schemeClr val="accent1"/>
-            </a:effectRef>
-            <a:fontRef idx="minor">
-              <a:schemeClr val="lt1"/>
-            </a:fontRef>
-          </p:style>
-          <p:txBody>
-            <a:bodyPr rtlCol="0" anchor="ctr"/>
-            <a:lstStyle/>
-            <a:p>
-              <a:pPr algn="ctr"/>
-              <a:r>
-                <a:rPr lang="en-US" dirty="0" smtClean="0"/>
-                <a:t>Pair</a:t>
-              </a:r>
-              <a:endParaRPr lang="en-US" dirty="0"/>
-            </a:p>
-          </p:txBody>
-        </p:sp>
-        <p:sp>
-          <p:nvSpPr>
-            <p:cNvPr id="26" name="Rectangle 25"/>
-            <p:cNvSpPr/>
-            <p:nvPr/>
-          </p:nvSpPr>
-          <p:spPr>
-            <a:xfrm>
-              <a:off x="8777817" y="3267689"/>
-              <a:ext cx="1973671" cy="936433"/>
-            </a:xfrm>
-            <a:prstGeom prst="rect">
-              <a:avLst/>
-            </a:prstGeom>
-            <a:ln>
-              <a:noFill/>
-            </a:ln>
-          </p:spPr>
-          <p:style>
-            <a:lnRef idx="2">
-              <a:schemeClr val="accent1">
-                <a:shade val="50000"/>
-              </a:schemeClr>
-            </a:lnRef>
-            <a:fillRef idx="1">
-              <a:schemeClr val="accent1"/>
-            </a:fillRef>
-            <a:effectRef idx="0">
-              <a:schemeClr val="accent1"/>
-            </a:effectRef>
-            <a:fontRef idx="minor">
-              <a:schemeClr val="lt1"/>
-            </a:fontRef>
-          </p:style>
-          <p:txBody>
-            <a:bodyPr rtlCol="0" anchor="ctr"/>
-            <a:lstStyle/>
-            <a:p>
-              <a:pPr algn="ctr"/>
-              <a:r>
-                <a:rPr lang="en-US" dirty="0" smtClean="0"/>
-                <a:t>Retrieve and Rank</a:t>
-              </a:r>
-              <a:endParaRPr lang="en-US" dirty="0"/>
-            </a:p>
-          </p:txBody>
-        </p:sp>
-        <p:sp>
-          <p:nvSpPr>
-            <p:cNvPr id="29" name="Rectangle 28"/>
-            <p:cNvSpPr/>
-            <p:nvPr/>
-          </p:nvSpPr>
-          <p:spPr>
-            <a:xfrm>
-              <a:off x="822343" y="648430"/>
-              <a:ext cx="1973671" cy="936433"/>
-            </a:xfrm>
-            <a:prstGeom prst="rect">
-              <a:avLst/>
-            </a:prstGeom>
-            <a:solidFill>
-              <a:schemeClr val="accent2"/>
-            </a:solidFill>
-            <a:ln>
-              <a:noFill/>
-            </a:ln>
-          </p:spPr>
-          <p:style>
-            <a:lnRef idx="2">
-              <a:schemeClr val="accent1">
-                <a:shade val="50000"/>
-              </a:schemeClr>
-            </a:lnRef>
-            <a:fillRef idx="1">
-              <a:schemeClr val="accent1"/>
-            </a:fillRef>
-            <a:effectRef idx="0">
-              <a:schemeClr val="accent1"/>
-            </a:effectRef>
-            <a:fontRef idx="minor">
-              <a:schemeClr val="lt1"/>
-            </a:fontRef>
-          </p:style>
-          <p:txBody>
-            <a:bodyPr rtlCol="0" anchor="ctr"/>
-            <a:lstStyle/>
-            <a:p>
-              <a:pPr algn="ctr"/>
-              <a:r>
-                <a:rPr lang="en-US" dirty="0" smtClean="0"/>
-                <a:t>Dialog/Speech to text</a:t>
-              </a:r>
-              <a:endParaRPr lang="en-US" dirty="0"/>
-            </a:p>
-          </p:txBody>
-        </p:sp>
-        <p:sp>
-          <p:nvSpPr>
-            <p:cNvPr id="30" name="Rounded Rectangle 29"/>
-            <p:cNvSpPr/>
-            <p:nvPr/>
-          </p:nvSpPr>
-          <p:spPr>
-            <a:xfrm>
-              <a:off x="8777817" y="5320334"/>
-              <a:ext cx="1973671" cy="936433"/>
-            </a:xfrm>
-            <a:prstGeom prst="roundRect">
-              <a:avLst>
-                <a:gd name="adj" fmla="val 50000"/>
-              </a:avLst>
-            </a:prstGeom>
-            <a:ln>
-              <a:noFill/>
-            </a:ln>
-          </p:spPr>
-          <p:style>
-            <a:lnRef idx="2">
-              <a:schemeClr val="accent1">
-                <a:shade val="50000"/>
-              </a:schemeClr>
-            </a:lnRef>
-            <a:fillRef idx="1">
-              <a:schemeClr val="accent1"/>
-            </a:fillRef>
-            <a:effectRef idx="0">
-              <a:schemeClr val="accent1"/>
-            </a:effectRef>
-            <a:fontRef idx="minor">
-              <a:schemeClr val="lt1"/>
-            </a:fontRef>
-          </p:style>
-          <p:txBody>
-            <a:bodyPr rtlCol="0" anchor="ctr"/>
-            <a:lstStyle/>
-            <a:p>
-              <a:pPr algn="ctr"/>
-              <a:r>
-                <a:rPr lang="en-US" dirty="0" smtClean="0"/>
-                <a:t>Output Analysis</a:t>
-              </a:r>
-              <a:endParaRPr lang="en-US" dirty="0"/>
-            </a:p>
-          </p:txBody>
-        </p:sp>
-        <p:cxnSp>
-          <p:nvCxnSpPr>
-            <p:cNvPr id="32" name="Elbow Connector 31"/>
-            <p:cNvCxnSpPr>
-              <a:stCxn id="4" idx="3"/>
-              <a:endCxn id="19" idx="1"/>
-            </p:cNvCxnSpPr>
-            <p:nvPr/>
-          </p:nvCxnSpPr>
-          <p:spPr>
-            <a:xfrm flipV="1">
-              <a:off x="2796015" y="1818972"/>
-              <a:ext cx="678153" cy="936433"/>
-            </a:xfrm>
-            <a:prstGeom prst="bentConnector3">
-              <a:avLst/>
-            </a:prstGeom>
-            <a:ln>
-              <a:tailEnd type="triangle"/>
-            </a:ln>
-          </p:spPr>
-          <p:style>
-            <a:lnRef idx="1">
-              <a:schemeClr val="accent1"/>
-            </a:lnRef>
-            <a:fillRef idx="0">
-              <a:schemeClr val="accent1"/>
-            </a:fillRef>
-            <a:effectRef idx="0">
-              <a:schemeClr val="accent1"/>
-            </a:effectRef>
-            <a:fontRef idx="minor">
-              <a:schemeClr val="tx1"/>
-            </a:fontRef>
-          </p:style>
-        </p:cxnSp>
-        <p:cxnSp>
-          <p:nvCxnSpPr>
-            <p:cNvPr id="33" name="Elbow Connector 32"/>
-            <p:cNvCxnSpPr>
-              <a:stCxn id="4" idx="3"/>
-              <a:endCxn id="21" idx="1"/>
-            </p:cNvCxnSpPr>
-            <p:nvPr/>
-          </p:nvCxnSpPr>
-          <p:spPr>
-            <a:xfrm>
-              <a:off x="2796015" y="2755405"/>
-              <a:ext cx="678152" cy="2368627"/>
-            </a:xfrm>
-            <a:prstGeom prst="bentConnector3">
-              <a:avLst/>
-            </a:prstGeom>
-            <a:ln>
-              <a:tailEnd type="triangle"/>
-            </a:ln>
-          </p:spPr>
-          <p:style>
-            <a:lnRef idx="1">
-              <a:schemeClr val="accent1"/>
-            </a:lnRef>
-            <a:fillRef idx="0">
-              <a:schemeClr val="accent1"/>
-            </a:fillRef>
-            <a:effectRef idx="0">
-              <a:schemeClr val="accent1"/>
-            </a:effectRef>
-            <a:fontRef idx="minor">
-              <a:schemeClr val="tx1"/>
-            </a:fontRef>
-          </p:style>
-        </p:cxnSp>
-        <p:cxnSp>
-          <p:nvCxnSpPr>
-            <p:cNvPr id="36" name="Elbow Connector 35"/>
-            <p:cNvCxnSpPr>
-              <a:stCxn id="21" idx="3"/>
-              <a:endCxn id="22" idx="1"/>
-            </p:cNvCxnSpPr>
-            <p:nvPr/>
-          </p:nvCxnSpPr>
-          <p:spPr>
-            <a:xfrm flipV="1">
-              <a:off x="5447838" y="2483982"/>
-              <a:ext cx="678155" cy="2640050"/>
-            </a:xfrm>
-            <a:prstGeom prst="bentConnector3">
-              <a:avLst>
-                <a:gd name="adj1" fmla="val 27256"/>
-              </a:avLst>
-            </a:prstGeom>
-            <a:ln>
-              <a:tailEnd type="triangle"/>
-            </a:ln>
-          </p:spPr>
-          <p:style>
-            <a:lnRef idx="1">
-              <a:schemeClr val="accent1"/>
-            </a:lnRef>
-            <a:fillRef idx="0">
-              <a:schemeClr val="accent1"/>
-            </a:fillRef>
-            <a:effectRef idx="0">
-              <a:schemeClr val="accent1"/>
-            </a:effectRef>
-            <a:fontRef idx="minor">
-              <a:schemeClr val="tx1"/>
-            </a:fontRef>
-          </p:style>
-        </p:cxnSp>
-        <p:cxnSp>
-          <p:nvCxnSpPr>
-            <p:cNvPr id="40" name="Elbow Connector 39"/>
-            <p:cNvCxnSpPr>
-              <a:stCxn id="19" idx="3"/>
-              <a:endCxn id="23" idx="1"/>
-            </p:cNvCxnSpPr>
-            <p:nvPr/>
-          </p:nvCxnSpPr>
-          <p:spPr>
-            <a:xfrm flipV="1">
-              <a:off x="5447839" y="1062645"/>
-              <a:ext cx="678154" cy="756327"/>
-            </a:xfrm>
-            <a:prstGeom prst="bentConnector3">
-              <a:avLst>
-                <a:gd name="adj1" fmla="val 50000"/>
-              </a:avLst>
-            </a:prstGeom>
-            <a:ln>
-              <a:tailEnd type="triangle"/>
-            </a:ln>
-          </p:spPr>
-          <p:style>
-            <a:lnRef idx="1">
-              <a:schemeClr val="accent1"/>
-            </a:lnRef>
-            <a:fillRef idx="0">
-              <a:schemeClr val="accent1"/>
-            </a:fillRef>
-            <a:effectRef idx="0">
-              <a:schemeClr val="accent1"/>
-            </a:effectRef>
-            <a:fontRef idx="minor">
-              <a:schemeClr val="tx1"/>
-            </a:fontRef>
-          </p:style>
-        </p:cxnSp>
-        <p:cxnSp>
-          <p:nvCxnSpPr>
-            <p:cNvPr id="43" name="Elbow Connector 42"/>
-            <p:cNvCxnSpPr>
-              <a:stCxn id="19" idx="3"/>
-              <a:endCxn id="22" idx="1"/>
-            </p:cNvCxnSpPr>
-            <p:nvPr/>
-          </p:nvCxnSpPr>
-          <p:spPr>
-            <a:xfrm>
-              <a:off x="5447839" y="1818972"/>
-              <a:ext cx="678154" cy="665010"/>
-            </a:xfrm>
-            <a:prstGeom prst="bentConnector3">
-              <a:avLst>
-                <a:gd name="adj1" fmla="val 50000"/>
-              </a:avLst>
-            </a:prstGeom>
-            <a:ln>
-              <a:tailEnd type="triangle"/>
-            </a:ln>
-          </p:spPr>
-          <p:style>
-            <a:lnRef idx="1">
-              <a:schemeClr val="accent1"/>
-            </a:lnRef>
-            <a:fillRef idx="0">
-              <a:schemeClr val="accent1"/>
-            </a:fillRef>
-            <a:effectRef idx="0">
-              <a:schemeClr val="accent1"/>
-            </a:effectRef>
-            <a:fontRef idx="minor">
-              <a:schemeClr val="tx1"/>
-            </a:fontRef>
-          </p:style>
-        </p:cxnSp>
-        <p:cxnSp>
-          <p:nvCxnSpPr>
-            <p:cNvPr id="48" name="Elbow Connector 47"/>
-            <p:cNvCxnSpPr>
-              <a:stCxn id="23" idx="3"/>
-              <a:endCxn id="24" idx="1"/>
-            </p:cNvCxnSpPr>
-            <p:nvPr/>
-          </p:nvCxnSpPr>
-          <p:spPr>
-            <a:xfrm>
-              <a:off x="8099664" y="1062645"/>
-              <a:ext cx="678154" cy="620616"/>
-            </a:xfrm>
-            <a:prstGeom prst="bentConnector3">
-              <a:avLst>
-                <a:gd name="adj1" fmla="val 50000"/>
-              </a:avLst>
-            </a:prstGeom>
-            <a:ln>
-              <a:tailEnd type="triangle"/>
-            </a:ln>
-          </p:spPr>
-          <p:style>
-            <a:lnRef idx="1">
-              <a:schemeClr val="accent1"/>
-            </a:lnRef>
-            <a:fillRef idx="0">
-              <a:schemeClr val="accent1"/>
-            </a:fillRef>
-            <a:effectRef idx="0">
-              <a:schemeClr val="accent1"/>
-            </a:effectRef>
-            <a:fontRef idx="minor">
-              <a:schemeClr val="tx1"/>
-            </a:fontRef>
-          </p:style>
-        </p:cxnSp>
-        <p:cxnSp>
-          <p:nvCxnSpPr>
-            <p:cNvPr id="51" name="Elbow Connector 50"/>
-            <p:cNvCxnSpPr>
-              <a:stCxn id="22" idx="3"/>
-              <a:endCxn id="24" idx="1"/>
-            </p:cNvCxnSpPr>
-            <p:nvPr/>
-          </p:nvCxnSpPr>
-          <p:spPr>
-            <a:xfrm flipV="1">
-              <a:off x="8099664" y="1683261"/>
-              <a:ext cx="678154" cy="800721"/>
-            </a:xfrm>
-            <a:prstGeom prst="bentConnector3">
-              <a:avLst>
-                <a:gd name="adj1" fmla="val 50000"/>
-              </a:avLst>
-            </a:prstGeom>
-            <a:ln>
-              <a:tailEnd type="triangle"/>
-            </a:ln>
-          </p:spPr>
-          <p:style>
-            <a:lnRef idx="1">
-              <a:schemeClr val="accent1"/>
-            </a:lnRef>
-            <a:fillRef idx="0">
-              <a:schemeClr val="accent1"/>
-            </a:fillRef>
-            <a:effectRef idx="0">
-              <a:schemeClr val="accent1"/>
-            </a:effectRef>
-            <a:fontRef idx="minor">
-              <a:schemeClr val="tx1"/>
-            </a:fontRef>
-          </p:style>
-        </p:cxnSp>
-        <p:cxnSp>
-          <p:nvCxnSpPr>
-            <p:cNvPr id="54" name="Elbow Connector 53"/>
-            <p:cNvCxnSpPr>
-              <a:stCxn id="24" idx="2"/>
-              <a:endCxn id="26" idx="0"/>
-            </p:cNvCxnSpPr>
-            <p:nvPr/>
-          </p:nvCxnSpPr>
-          <p:spPr>
-            <a:xfrm rot="5400000">
-              <a:off x="9206548" y="2709583"/>
-              <a:ext cx="1116212" cy="1"/>
-            </a:xfrm>
-            <a:prstGeom prst="bentConnector3">
-              <a:avLst>
-                <a:gd name="adj1" fmla="val 50000"/>
-              </a:avLst>
-            </a:prstGeom>
-            <a:ln>
-              <a:tailEnd type="triangle"/>
-            </a:ln>
-          </p:spPr>
-          <p:style>
-            <a:lnRef idx="1">
-              <a:schemeClr val="accent1"/>
-            </a:lnRef>
-            <a:fillRef idx="0">
-              <a:schemeClr val="accent1"/>
-            </a:fillRef>
-            <a:effectRef idx="0">
-              <a:schemeClr val="accent1"/>
-            </a:effectRef>
-            <a:fontRef idx="minor">
-              <a:schemeClr val="tx1"/>
-            </a:fontRef>
-          </p:style>
-        </p:cxnSp>
-        <p:cxnSp>
-          <p:nvCxnSpPr>
-            <p:cNvPr id="66" name="Straight Arrow Connector 65"/>
-            <p:cNvCxnSpPr>
-              <a:stCxn id="26" idx="2"/>
-              <a:endCxn id="30" idx="0"/>
-            </p:cNvCxnSpPr>
-            <p:nvPr/>
-          </p:nvCxnSpPr>
-          <p:spPr>
-            <a:xfrm>
-              <a:off x="9764653" y="4204122"/>
-              <a:ext cx="0" cy="1116212"/>
-            </a:xfrm>
-            <a:prstGeom prst="straightConnector1">
-              <a:avLst/>
-            </a:prstGeom>
-            <a:ln>
-              <a:tailEnd type="triangle"/>
-            </a:ln>
-          </p:spPr>
-          <p:style>
-            <a:lnRef idx="1">
-              <a:schemeClr val="accent1"/>
-            </a:lnRef>
-            <a:fillRef idx="0">
-              <a:schemeClr val="accent1"/>
-            </a:fillRef>
-            <a:effectRef idx="0">
-              <a:schemeClr val="accent1"/>
-            </a:effectRef>
-            <a:fontRef idx="minor">
-              <a:schemeClr val="tx1"/>
-            </a:fontRef>
-          </p:style>
-        </p:cxnSp>
-        <p:sp>
-          <p:nvSpPr>
-            <p:cNvPr id="69" name="Parallelogram 68"/>
-            <p:cNvSpPr/>
-            <p:nvPr/>
-          </p:nvSpPr>
-          <p:spPr>
-            <a:xfrm>
-              <a:off x="4944125" y="3415825"/>
-              <a:ext cx="1333041" cy="667707"/>
-            </a:xfrm>
-            <a:prstGeom prst="parallelogram">
-              <a:avLst/>
-            </a:prstGeom>
-            <a:ln>
-              <a:noFill/>
-            </a:ln>
-          </p:spPr>
-          <p:style>
-            <a:lnRef idx="2">
-              <a:schemeClr val="accent1">
-                <a:shade val="50000"/>
-              </a:schemeClr>
-            </a:lnRef>
-            <a:fillRef idx="1">
-              <a:schemeClr val="accent1"/>
-            </a:fillRef>
-            <a:effectRef idx="0">
-              <a:schemeClr val="accent1"/>
-            </a:effectRef>
-            <a:fontRef idx="minor">
-              <a:schemeClr val="lt1"/>
-            </a:fontRef>
-          </p:style>
-          <p:txBody>
-            <a:bodyPr rtlCol="0" anchor="ctr"/>
-            <a:lstStyle/>
-            <a:p>
-              <a:pPr algn="ctr"/>
-              <a:r>
-                <a:rPr lang="en-US" smtClean="0"/>
-                <a:t>Goals</a:t>
-              </a:r>
-              <a:endParaRPr lang="en-US"/>
-            </a:p>
-          </p:txBody>
-        </p:sp>
-        <p:cxnSp>
-          <p:nvCxnSpPr>
-            <p:cNvPr id="72" name="Elbow Connector 71"/>
-            <p:cNvCxnSpPr>
-              <a:stCxn id="29" idx="3"/>
-              <a:endCxn id="19" idx="1"/>
-            </p:cNvCxnSpPr>
-            <p:nvPr/>
-          </p:nvCxnSpPr>
-          <p:spPr>
-            <a:xfrm>
-              <a:off x="2796014" y="1116647"/>
-              <a:ext cx="678154" cy="702325"/>
-            </a:xfrm>
-            <a:prstGeom prst="bentConnector3">
-              <a:avLst>
-                <a:gd name="adj1" fmla="val 50000"/>
-              </a:avLst>
-            </a:prstGeom>
-            <a:ln>
-              <a:tailEnd type="triangle"/>
-            </a:ln>
-          </p:spPr>
-          <p:style>
-            <a:lnRef idx="1">
-              <a:schemeClr val="accent1"/>
-            </a:lnRef>
-            <a:fillRef idx="0">
-              <a:schemeClr val="accent1"/>
-            </a:fillRef>
-            <a:effectRef idx="0">
-              <a:schemeClr val="accent1"/>
-            </a:effectRef>
-            <a:fontRef idx="minor">
-              <a:schemeClr val="tx1"/>
-            </a:fontRef>
-          </p:style>
-        </p:cxnSp>
       </p:grpSp>
     </p:spTree>
     <p:extLst>

--- a/Journal Analytics Process.pptx
+++ b/Journal Analytics Process.pptx
@@ -243,7 +243,7 @@
           <a:p>
             <a:fld id="{7C1D7149-9914-D746-A3F9-269AB628337D}" type="datetimeFigureOut">
               <a:rPr lang="en-US" smtClean="0"/>
-              <a:t>3/17/16</a:t>
+              <a:t>3/18/16</a:t>
             </a:fld>
             <a:endParaRPr lang="en-US"/>
           </a:p>
@@ -413,7 +413,7 @@
           <a:p>
             <a:fld id="{7C1D7149-9914-D746-A3F9-269AB628337D}" type="datetimeFigureOut">
               <a:rPr lang="en-US" smtClean="0"/>
-              <a:t>3/17/16</a:t>
+              <a:t>3/18/16</a:t>
             </a:fld>
             <a:endParaRPr lang="en-US"/>
           </a:p>
@@ -593,7 +593,7 @@
           <a:p>
             <a:fld id="{7C1D7149-9914-D746-A3F9-269AB628337D}" type="datetimeFigureOut">
               <a:rPr lang="en-US" smtClean="0"/>
-              <a:t>3/17/16</a:t>
+              <a:t>3/18/16</a:t>
             </a:fld>
             <a:endParaRPr lang="en-US"/>
           </a:p>
@@ -763,7 +763,7 @@
           <a:p>
             <a:fld id="{7C1D7149-9914-D746-A3F9-269AB628337D}" type="datetimeFigureOut">
               <a:rPr lang="en-US" smtClean="0"/>
-              <a:t>3/17/16</a:t>
+              <a:t>3/18/16</a:t>
             </a:fld>
             <a:endParaRPr lang="en-US"/>
           </a:p>
@@ -1009,7 +1009,7 @@
           <a:p>
             <a:fld id="{7C1D7149-9914-D746-A3F9-269AB628337D}" type="datetimeFigureOut">
               <a:rPr lang="en-US" smtClean="0"/>
-              <a:t>3/17/16</a:t>
+              <a:t>3/18/16</a:t>
             </a:fld>
             <a:endParaRPr lang="en-US"/>
           </a:p>
@@ -1241,7 +1241,7 @@
           <a:p>
             <a:fld id="{7C1D7149-9914-D746-A3F9-269AB628337D}" type="datetimeFigureOut">
               <a:rPr lang="en-US" smtClean="0"/>
-              <a:t>3/17/16</a:t>
+              <a:t>3/18/16</a:t>
             </a:fld>
             <a:endParaRPr lang="en-US"/>
           </a:p>
@@ -1608,7 +1608,7 @@
           <a:p>
             <a:fld id="{7C1D7149-9914-D746-A3F9-269AB628337D}" type="datetimeFigureOut">
               <a:rPr lang="en-US" smtClean="0"/>
-              <a:t>3/17/16</a:t>
+              <a:t>3/18/16</a:t>
             </a:fld>
             <a:endParaRPr lang="en-US"/>
           </a:p>
@@ -1726,7 +1726,7 @@
           <a:p>
             <a:fld id="{7C1D7149-9914-D746-A3F9-269AB628337D}" type="datetimeFigureOut">
               <a:rPr lang="en-US" smtClean="0"/>
-              <a:t>3/17/16</a:t>
+              <a:t>3/18/16</a:t>
             </a:fld>
             <a:endParaRPr lang="en-US"/>
           </a:p>
@@ -1821,7 +1821,7 @@
           <a:p>
             <a:fld id="{7C1D7149-9914-D746-A3F9-269AB628337D}" type="datetimeFigureOut">
               <a:rPr lang="en-US" smtClean="0"/>
-              <a:t>3/17/16</a:t>
+              <a:t>3/18/16</a:t>
             </a:fld>
             <a:endParaRPr lang="en-US"/>
           </a:p>
@@ -2098,7 +2098,7 @@
           <a:p>
             <a:fld id="{7C1D7149-9914-D746-A3F9-269AB628337D}" type="datetimeFigureOut">
               <a:rPr lang="en-US" smtClean="0"/>
-              <a:t>3/17/16</a:t>
+              <a:t>3/18/16</a:t>
             </a:fld>
             <a:endParaRPr lang="en-US"/>
           </a:p>
@@ -2351,7 +2351,7 @@
           <a:p>
             <a:fld id="{7C1D7149-9914-D746-A3F9-269AB628337D}" type="datetimeFigureOut">
               <a:rPr lang="en-US" smtClean="0"/>
-              <a:t>3/17/16</a:t>
+              <a:t>3/18/16</a:t>
             </a:fld>
             <a:endParaRPr lang="en-US"/>
           </a:p>
@@ -2564,7 +2564,7 @@
           <a:p>
             <a:fld id="{7C1D7149-9914-D746-A3F9-269AB628337D}" type="datetimeFigureOut">
               <a:rPr lang="en-US" smtClean="0"/>
-              <a:t>3/17/16</a:t>
+              <a:t>3/18/16</a:t>
             </a:fld>
             <a:endParaRPr lang="en-US"/>
           </a:p>
@@ -3500,7 +3500,7 @@
               </a:xfrm>
               <a:prstGeom prst="bentConnector3">
                 <a:avLst>
-                  <a:gd name="adj1" fmla="val 27256"/>
+                  <a:gd name="adj1" fmla="val 50000"/>
                 </a:avLst>
               </a:prstGeom>
               <a:ln>
@@ -3753,14 +3753,13 @@
               <p:cNvPr id="72" name="Elbow Connector 71"/>
               <p:cNvCxnSpPr>
                 <a:stCxn id="29" idx="3"/>
-                <a:endCxn id="19" idx="1"/>
               </p:cNvCxnSpPr>
               <p:nvPr/>
             </p:nvCxnSpPr>
             <p:spPr>
               <a:xfrm>
                 <a:off x="2796014" y="1116647"/>
-                <a:ext cx="678154" cy="702325"/>
+                <a:ext cx="678153" cy="566614"/>
               </a:xfrm>
               <a:prstGeom prst="bentConnector3">
                 <a:avLst>
